--- a/Phase 3 Presentation.pptx
+++ b/Phase 3 Presentation.pptx
@@ -11,11 +11,12 @@
     <p:sldId id="259" r:id="rId5"/>
     <p:sldId id="260" r:id="rId6"/>
     <p:sldId id="264" r:id="rId7"/>
-    <p:sldId id="278" r:id="rId8"/>
-    <p:sldId id="280" r:id="rId9"/>
-    <p:sldId id="275" r:id="rId10"/>
-    <p:sldId id="263" r:id="rId11"/>
-    <p:sldId id="270" r:id="rId12"/>
+    <p:sldId id="281" r:id="rId8"/>
+    <p:sldId id="278" r:id="rId9"/>
+    <p:sldId id="280" r:id="rId10"/>
+    <p:sldId id="275" r:id="rId11"/>
+    <p:sldId id="263" r:id="rId12"/>
+    <p:sldId id="270" r:id="rId13"/>
   </p:sldIdLst>
   <p:sldSz cx="12192000" cy="6858000"/>
   <p:notesSz cx="6858000" cy="9144000"/>
@@ -3082,7 +3083,7 @@
           <a:p>
             <a:fld id="{C3F5752A-20FB-004E-98EE-3C66723388AA}" type="datetimeFigureOut">
               <a:rPr lang="en-US" smtClean="0"/>
-              <a:t>7/11/22</a:t>
+              <a:t>8/1/22</a:t>
             </a:fld>
             <a:endParaRPr lang="en-US"/>
           </a:p>
@@ -3280,7 +3281,7 @@
           <a:p>
             <a:fld id="{C3F5752A-20FB-004E-98EE-3C66723388AA}" type="datetimeFigureOut">
               <a:rPr lang="en-US" smtClean="0"/>
-              <a:t>7/11/22</a:t>
+              <a:t>8/1/22</a:t>
             </a:fld>
             <a:endParaRPr lang="en-US"/>
           </a:p>
@@ -3488,7 +3489,7 @@
           <a:p>
             <a:fld id="{C3F5752A-20FB-004E-98EE-3C66723388AA}" type="datetimeFigureOut">
               <a:rPr lang="en-US" smtClean="0"/>
-              <a:t>7/11/22</a:t>
+              <a:t>8/1/22</a:t>
             </a:fld>
             <a:endParaRPr lang="en-US"/>
           </a:p>
@@ -3686,7 +3687,7 @@
           <a:p>
             <a:fld id="{C3F5752A-20FB-004E-98EE-3C66723388AA}" type="datetimeFigureOut">
               <a:rPr lang="en-US" smtClean="0"/>
-              <a:t>7/11/22</a:t>
+              <a:t>8/1/22</a:t>
             </a:fld>
             <a:endParaRPr lang="en-US"/>
           </a:p>
@@ -3961,7 +3962,7 @@
           <a:p>
             <a:fld id="{C3F5752A-20FB-004E-98EE-3C66723388AA}" type="datetimeFigureOut">
               <a:rPr lang="en-US" smtClean="0"/>
-              <a:t>7/11/22</a:t>
+              <a:t>8/1/22</a:t>
             </a:fld>
             <a:endParaRPr lang="en-US"/>
           </a:p>
@@ -4226,7 +4227,7 @@
           <a:p>
             <a:fld id="{C3F5752A-20FB-004E-98EE-3C66723388AA}" type="datetimeFigureOut">
               <a:rPr lang="en-US" smtClean="0"/>
-              <a:t>7/11/22</a:t>
+              <a:t>8/1/22</a:t>
             </a:fld>
             <a:endParaRPr lang="en-US"/>
           </a:p>
@@ -4638,7 +4639,7 @@
           <a:p>
             <a:fld id="{C3F5752A-20FB-004E-98EE-3C66723388AA}" type="datetimeFigureOut">
               <a:rPr lang="en-US" smtClean="0"/>
-              <a:t>7/11/22</a:t>
+              <a:t>8/1/22</a:t>
             </a:fld>
             <a:endParaRPr lang="en-US"/>
           </a:p>
@@ -4779,7 +4780,7 @@
           <a:p>
             <a:fld id="{C3F5752A-20FB-004E-98EE-3C66723388AA}" type="datetimeFigureOut">
               <a:rPr lang="en-US" smtClean="0"/>
-              <a:t>7/11/22</a:t>
+              <a:t>8/1/22</a:t>
             </a:fld>
             <a:endParaRPr lang="en-US"/>
           </a:p>
@@ -4892,7 +4893,7 @@
           <a:p>
             <a:fld id="{C3F5752A-20FB-004E-98EE-3C66723388AA}" type="datetimeFigureOut">
               <a:rPr lang="en-US" smtClean="0"/>
-              <a:t>7/11/22</a:t>
+              <a:t>8/1/22</a:t>
             </a:fld>
             <a:endParaRPr lang="en-US"/>
           </a:p>
@@ -5203,7 +5204,7 @@
           <a:p>
             <a:fld id="{C3F5752A-20FB-004E-98EE-3C66723388AA}" type="datetimeFigureOut">
               <a:rPr lang="en-US" smtClean="0"/>
-              <a:t>7/11/22</a:t>
+              <a:t>8/1/22</a:t>
             </a:fld>
             <a:endParaRPr lang="en-US"/>
           </a:p>
@@ -5491,7 +5492,7 @@
           <a:p>
             <a:fld id="{C3F5752A-20FB-004E-98EE-3C66723388AA}" type="datetimeFigureOut">
               <a:rPr lang="en-US" smtClean="0"/>
-              <a:t>7/11/22</a:t>
+              <a:t>8/1/22</a:t>
             </a:fld>
             <a:endParaRPr lang="en-US"/>
           </a:p>
@@ -5732,7 +5733,7 @@
           <a:p>
             <a:fld id="{C3F5752A-20FB-004E-98EE-3C66723388AA}" type="datetimeFigureOut">
               <a:rPr lang="en-US" smtClean="0"/>
-              <a:t>7/11/22</a:t>
+              <a:t>8/1/22</a:t>
             </a:fld>
             <a:endParaRPr lang="en-US"/>
           </a:p>
@@ -7418,7 +7419,7 @@
           <p:cNvPr id="2" name="Title 1">
             <a:extLst>
               <a:ext uri="{FF2B5EF4-FFF2-40B4-BE49-F238E27FC236}">
-                <a16:creationId xmlns:a16="http://schemas.microsoft.com/office/drawing/2014/main" id="{46E91C97-A06F-AC4A-8D1E-7409EF5640B1}"/>
+                <a16:creationId xmlns:a16="http://schemas.microsoft.com/office/drawing/2014/main" id="{B9A96219-0B50-DC43-9836-FD021AF451C7}"/>
               </a:ext>
             </a:extLst>
           </p:cNvPr>
@@ -7448,7 +7449,7 @@
                   <a:srgbClr val="FFFFFF"/>
                 </a:solidFill>
               </a:rPr>
-              <a:t>Summary of Findings / Conclusion</a:t>
+              <a:t>Results</a:t>
             </a:r>
           </a:p>
         </p:txBody>
@@ -7458,7 +7459,7 @@
           <p:cNvPr id="3" name="Content Placeholder 2">
             <a:extLst>
               <a:ext uri="{FF2B5EF4-FFF2-40B4-BE49-F238E27FC236}">
-                <a16:creationId xmlns:a16="http://schemas.microsoft.com/office/drawing/2014/main" id="{F0879E51-3025-FD47-A6D2-158E9D009E69}"/>
+                <a16:creationId xmlns:a16="http://schemas.microsoft.com/office/drawing/2014/main" id="{8D24899F-AC40-5747-B683-C297EF6FF0A5}"/>
               </a:ext>
             </a:extLst>
           </p:cNvPr>
@@ -7472,7 +7473,7 @@
         <p:spPr>
           <a:xfrm>
             <a:off x="4810259" y="649480"/>
-            <a:ext cx="6555347" cy="5546047"/>
+            <a:ext cx="6915019" cy="5546047"/>
           </a:xfrm>
         </p:spPr>
         <p:txBody>
@@ -7481,38 +7482,140 @@
           </a:bodyPr>
           <a:lstStyle/>
           <a:p>
+            <a:endParaRPr lang="en-US" sz="2000" dirty="0"/>
+          </a:p>
+          <a:p>
+            <a:endParaRPr lang="en-US" sz="2000" dirty="0"/>
+          </a:p>
+          <a:p>
+            <a:pPr marL="0" indent="0">
+              <a:buNone/>
+            </a:pPr>
+            <a:endParaRPr lang="en-US" sz="2000" dirty="0"/>
+          </a:p>
+        </p:txBody>
+      </p:sp>
+      <p:sp>
+        <p:nvSpPr>
+          <p:cNvPr id="4" name="TextBox 3">
+            <a:extLst>
+              <a:ext uri="{FF2B5EF4-FFF2-40B4-BE49-F238E27FC236}">
+                <a16:creationId xmlns:a16="http://schemas.microsoft.com/office/drawing/2014/main" id="{D4B33F99-C15B-8467-DA0C-3400486BB3B9}"/>
+              </a:ext>
+            </a:extLst>
+          </p:cNvPr>
+          <p:cNvSpPr txBox="1"/>
+          <p:nvPr/>
+        </p:nvSpPr>
+        <p:spPr>
+          <a:xfrm>
+            <a:off x="4833328" y="5065037"/>
+            <a:ext cx="6286408" cy="646331"/>
+          </a:xfrm>
+          <a:prstGeom prst="rect">
+            <a:avLst/>
+          </a:prstGeom>
+          <a:noFill/>
+        </p:spPr>
+        <p:txBody>
+          <a:bodyPr wrap="square" rtlCol="0">
+            <a:spAutoFit/>
+          </a:bodyPr>
+          <a:lstStyle/>
+          <a:p>
             <a:r>
-              <a:rPr lang="en-US" sz="2000" dirty="0"/>
-              <a:t>Looking at Odds ratio, we see that International Plan, has an odds ratio greater than one. They are 7 times more likely to leave.</a:t>
+              <a:rPr lang="en-US" dirty="0"/>
+              <a:t>Customer service calls and International Plans top two features for turnover.</a:t>
             </a:r>
           </a:p>
+        </p:txBody>
+      </p:sp>
+      <p:sp>
+        <p:nvSpPr>
+          <p:cNvPr id="5" name="TextBox 4">
+            <a:extLst>
+              <a:ext uri="{FF2B5EF4-FFF2-40B4-BE49-F238E27FC236}">
+                <a16:creationId xmlns:a16="http://schemas.microsoft.com/office/drawing/2014/main" id="{8F52DEC7-7B68-0BF8-289A-FBAA13696E1E}"/>
+              </a:ext>
+            </a:extLst>
+          </p:cNvPr>
+          <p:cNvSpPr txBox="1"/>
+          <p:nvPr/>
+        </p:nvSpPr>
+        <p:spPr>
+          <a:xfrm>
+            <a:off x="6796484" y="326722"/>
+            <a:ext cx="6351525" cy="369332"/>
+          </a:xfrm>
+          <a:prstGeom prst="rect">
+            <a:avLst/>
+          </a:prstGeom>
+          <a:noFill/>
+        </p:spPr>
+        <p:txBody>
+          <a:bodyPr wrap="square" rtlCol="0">
+            <a:spAutoFit/>
+          </a:bodyPr>
+          <a:lstStyle/>
           <a:p>
             <a:r>
-              <a:rPr lang="en-US" sz="2000" dirty="0"/>
-              <a:t>Also customers who have made customer service calls are 55% more likely to leave.</a:t>
+              <a:rPr lang="en-US" dirty="0"/>
+              <a:t>Feature Importance results</a:t>
             </a:r>
           </a:p>
-          <a:p>
-            <a:r>
-              <a:rPr lang="en-US" sz="2000" dirty="0"/>
-              <a:t>Plotting feature importance, using Decision Trees. customer services calls and then total international calls were top two important features for determining customer turnover / customer retention. </a:t>
-            </a:r>
-          </a:p>
-          <a:p>
-            <a:r>
-              <a:rPr lang="en-US" sz="2000" dirty="0"/>
-              <a:t>Decision Trees has the best accuracy among the models tested when it comes to scoring for accuracy. KNN &amp; Random Forests were a close second. </a:t>
-            </a:r>
-          </a:p>
-          <a:p>
-            <a:endParaRPr lang="en-US" dirty="0"/>
-          </a:p>
-        </p:txBody>
-      </p:sp>
+        </p:txBody>
+      </p:sp>
+      <p:pic>
+        <p:nvPicPr>
+          <p:cNvPr id="3074" name="Picture 2">
+            <a:extLst>
+              <a:ext uri="{FF2B5EF4-FFF2-40B4-BE49-F238E27FC236}">
+                <a16:creationId xmlns:a16="http://schemas.microsoft.com/office/drawing/2014/main" id="{3194973D-233E-BE8B-D5DB-B8D3F8D866D3}"/>
+              </a:ext>
+            </a:extLst>
+          </p:cNvPr>
+          <p:cNvPicPr>
+            <a:picLocks noChangeAspect="1" noChangeArrowheads="1"/>
+          </p:cNvPicPr>
+          <p:nvPr/>
+        </p:nvPicPr>
+        <p:blipFill>
+          <a:blip r:embed="rId2">
+            <a:extLst>
+              <a:ext uri="{28A0092B-C50C-407E-A947-70E740481C1C}">
+                <a14:useLocalDpi xmlns:a14="http://schemas.microsoft.com/office/drawing/2010/main" val="0"/>
+              </a:ext>
+            </a:extLst>
+          </a:blip>
+          <a:srcRect/>
+          <a:stretch>
+            <a:fillRect/>
+          </a:stretch>
+        </p:blipFill>
+        <p:spPr bwMode="auto">
+          <a:xfrm>
+            <a:off x="5333095" y="1054016"/>
+            <a:ext cx="5547972" cy="3941182"/>
+          </a:xfrm>
+          <a:prstGeom prst="rect">
+            <a:avLst/>
+          </a:prstGeom>
+          <a:noFill/>
+          <a:extLst>
+            <a:ext uri="{909E8E84-426E-40DD-AFC4-6F175D3DCCD1}">
+              <a14:hiddenFill xmlns:a14="http://schemas.microsoft.com/office/drawing/2010/main">
+                <a:solidFill>
+                  <a:srgbClr val="FFFFFF"/>
+                </a:solidFill>
+              </a14:hiddenFill>
+            </a:ext>
+          </a:extLst>
+        </p:spPr>
+      </p:pic>
     </p:spTree>
     <p:extLst>
       <p:ext uri="{BB962C8B-B14F-4D97-AF65-F5344CB8AC3E}">
-        <p14:creationId xmlns:p14="http://schemas.microsoft.com/office/powerpoint/2010/main" val="1690659996"/>
+        <p14:creationId xmlns:p14="http://schemas.microsoft.com/office/powerpoint/2010/main" val="589532315"/>
       </p:ext>
     </p:extLst>
   </p:cSld>
@@ -7523,644 +7626,6 @@
 </file>
 
 <file path=ppt/slides/slide11.xml><?xml version="1.0" encoding="utf-8"?>
-<p:sld xmlns:a="http://schemas.openxmlformats.org/drawingml/2006/main" xmlns:r="http://schemas.openxmlformats.org/officeDocument/2006/relationships" xmlns:p="http://schemas.openxmlformats.org/presentationml/2006/main">
-  <p:cSld>
-    <p:bg>
-      <p:bgPr>
-        <a:solidFill>
-          <a:schemeClr val="bg1">
-            <a:tint val="95000"/>
-            <a:satMod val="170000"/>
-          </a:schemeClr>
-        </a:solidFill>
-        <a:effectLst/>
-      </p:bgPr>
-    </p:bg>
-    <p:spTree>
-      <p:nvGrpSpPr>
-        <p:cNvPr id="1" name=""/>
-        <p:cNvGrpSpPr/>
-        <p:nvPr/>
-      </p:nvGrpSpPr>
-      <p:grpSpPr>
-        <a:xfrm>
-          <a:off x="0" y="0"/>
-          <a:ext cx="0" cy="0"/>
-          <a:chOff x="0" y="0"/>
-          <a:chExt cx="0" cy="0"/>
-        </a:xfrm>
-      </p:grpSpPr>
-      <p:sp>
-        <p:nvSpPr>
-          <p:cNvPr id="2" name="Title 1">
-            <a:extLst>
-              <a:ext uri="{FF2B5EF4-FFF2-40B4-BE49-F238E27FC236}">
-                <a16:creationId xmlns:a16="http://schemas.microsoft.com/office/drawing/2014/main" id="{9B084033-13FC-4C4D-9949-214B40020603}"/>
-              </a:ext>
-            </a:extLst>
-          </p:cNvPr>
-          <p:cNvSpPr>
-            <a:spLocks noGrp="1"/>
-          </p:cNvSpPr>
-          <p:nvPr>
-            <p:ph type="title"/>
-          </p:nvPr>
-        </p:nvSpPr>
-        <p:spPr>
-          <a:xfrm>
-            <a:off x="7464614" y="1783959"/>
-            <a:ext cx="4087306" cy="2889114"/>
-          </a:xfrm>
-        </p:spPr>
-        <p:txBody>
-          <a:bodyPr vert="horz" lIns="91440" tIns="45720" rIns="91440" bIns="45720" rtlCol="0" anchor="b">
-            <a:normAutofit/>
-          </a:bodyPr>
-          <a:lstStyle/>
-          <a:p>
-            <a:r>
-              <a:rPr lang="en-US" sz="5400"/>
-              <a:t>Thank you!</a:t>
-            </a:r>
-          </a:p>
-        </p:txBody>
-      </p:sp>
-      <p:sp>
-        <p:nvSpPr>
-          <p:cNvPr id="9" name="Freeform: Shape 8">
-            <a:extLst>
-              <a:ext uri="{FF2B5EF4-FFF2-40B4-BE49-F238E27FC236}">
-                <a16:creationId xmlns:a16="http://schemas.microsoft.com/office/drawing/2014/main" id="{E49CC64F-7275-4E33-961B-0C5CDC439875}"/>
-              </a:ext>
-              <a:ext uri="{C183D7F6-B498-43B3-948B-1728B52AA6E4}">
-                <adec:decorative xmlns:adec="http://schemas.microsoft.com/office/drawing/2017/decorative" val="1"/>
-              </a:ext>
-            </a:extLst>
-          </p:cNvPr>
-          <p:cNvSpPr>
-            <a:spLocks noGrp="1" noRot="1" noChangeAspect="1" noMove="1" noResize="1" noEditPoints="1" noAdjustHandles="1" noChangeArrowheads="1" noChangeShapeType="1" noTextEdit="1"/>
-          </p:cNvSpPr>
-          <p:nvPr>
-            <p:extLst>
-              <p:ext uri="{386F3935-93C4-4BCD-93E2-E3B085C9AB24}">
-                <p16:designElem xmlns:p16="http://schemas.microsoft.com/office/powerpoint/2015/main" val="1"/>
-              </p:ext>
-            </p:extLst>
-          </p:nvPr>
-        </p:nvSpPr>
-        <p:spPr>
-          <a:xfrm flipH="1" flipV="1">
-            <a:off x="1" y="0"/>
-            <a:ext cx="7188051" cy="6858000"/>
-          </a:xfrm>
-          <a:custGeom>
-            <a:avLst/>
-            <a:gdLst>
-              <a:gd name="connsiteX0" fmla="*/ 7188051 w 7188051"/>
-              <a:gd name="connsiteY0" fmla="*/ 6858000 h 6858000"/>
-              <a:gd name="connsiteX1" fmla="*/ 108694 w 7188051"/>
-              <a:gd name="connsiteY1" fmla="*/ 6858000 h 6858000"/>
-              <a:gd name="connsiteX2" fmla="*/ 79127 w 7188051"/>
-              <a:gd name="connsiteY2" fmla="*/ 6681235 h 6858000"/>
-              <a:gd name="connsiteX3" fmla="*/ 0 w 7188051"/>
-              <a:gd name="connsiteY3" fmla="*/ 5565888 h 6858000"/>
-              <a:gd name="connsiteX4" fmla="*/ 2190696 w 7188051"/>
-              <a:gd name="connsiteY4" fmla="*/ 145339 h 6858000"/>
-              <a:gd name="connsiteX5" fmla="*/ 2339431 w 7188051"/>
-              <a:gd name="connsiteY5" fmla="*/ 0 h 6858000"/>
-              <a:gd name="connsiteX6" fmla="*/ 7188051 w 7188051"/>
-              <a:gd name="connsiteY6" fmla="*/ 0 h 6858000"/>
-            </a:gdLst>
-            <a:ahLst/>
-            <a:cxnLst>
-              <a:cxn ang="0">
-                <a:pos x="connsiteX0" y="connsiteY0"/>
-              </a:cxn>
-              <a:cxn ang="0">
-                <a:pos x="connsiteX1" y="connsiteY1"/>
-              </a:cxn>
-              <a:cxn ang="0">
-                <a:pos x="connsiteX2" y="connsiteY2"/>
-              </a:cxn>
-              <a:cxn ang="0">
-                <a:pos x="connsiteX3" y="connsiteY3"/>
-              </a:cxn>
-              <a:cxn ang="0">
-                <a:pos x="connsiteX4" y="connsiteY4"/>
-              </a:cxn>
-              <a:cxn ang="0">
-                <a:pos x="connsiteX5" y="connsiteY5"/>
-              </a:cxn>
-              <a:cxn ang="0">
-                <a:pos x="connsiteX6" y="connsiteY6"/>
-              </a:cxn>
-            </a:cxnLst>
-            <a:rect l="l" t="t" r="r" b="b"/>
-            <a:pathLst>
-              <a:path w="7188051" h="6858000">
-                <a:moveTo>
-                  <a:pt x="7188051" y="6858000"/>
-                </a:moveTo>
-                <a:lnTo>
-                  <a:pt x="108694" y="6858000"/>
-                </a:lnTo>
-                <a:lnTo>
-                  <a:pt x="79127" y="6681235"/>
-                </a:lnTo>
-                <a:cubicBezTo>
-                  <a:pt x="26981" y="6316967"/>
-                  <a:pt x="0" y="5944579"/>
-                  <a:pt x="0" y="5565888"/>
-                </a:cubicBezTo>
-                <a:cubicBezTo>
-                  <a:pt x="0" y="3459953"/>
-                  <a:pt x="834428" y="1548908"/>
-                  <a:pt x="2190696" y="145339"/>
-                </a:cubicBezTo>
-                <a:lnTo>
-                  <a:pt x="2339431" y="0"/>
-                </a:lnTo>
-                <a:lnTo>
-                  <a:pt x="7188051" y="0"/>
-                </a:lnTo>
-                <a:close/>
-              </a:path>
-            </a:pathLst>
-          </a:custGeom>
-          <a:solidFill>
-            <a:schemeClr val="tx1">
-              <a:alpha val="80000"/>
-            </a:schemeClr>
-          </a:solidFill>
-          <a:ln>
-            <a:noFill/>
-          </a:ln>
-        </p:spPr>
-        <p:style>
-          <a:lnRef idx="2">
-            <a:schemeClr val="accent1">
-              <a:shade val="50000"/>
-            </a:schemeClr>
-          </a:lnRef>
-          <a:fillRef idx="1">
-            <a:schemeClr val="accent1"/>
-          </a:fillRef>
-          <a:effectRef idx="0">
-            <a:schemeClr val="accent1"/>
-          </a:effectRef>
-          <a:fontRef idx="minor">
-            <a:schemeClr val="lt1"/>
-          </a:fontRef>
-        </p:style>
-        <p:txBody>
-          <a:bodyPr wrap="square" rtlCol="0" anchor="ctr">
-            <a:noAutofit/>
-          </a:bodyPr>
-          <a:lstStyle/>
-          <a:p>
-            <a:pPr algn="ctr"/>
-            <a:endParaRPr lang="en-US"/>
-          </a:p>
-        </p:txBody>
-      </p:sp>
-      <p:pic>
-        <p:nvPicPr>
-          <p:cNvPr id="5" name="Picture 4" descr="Aerial view of a highway near the ocean">
-            <a:extLst>
-              <a:ext uri="{FF2B5EF4-FFF2-40B4-BE49-F238E27FC236}">
-                <a16:creationId xmlns:a16="http://schemas.microsoft.com/office/drawing/2014/main" id="{1261D5C9-ECCF-4CB6-BDA8-D7BB7D99EE31}"/>
-              </a:ext>
-            </a:extLst>
-          </p:cNvPr>
-          <p:cNvPicPr>
-            <a:picLocks noChangeAspect="1"/>
-          </p:cNvPicPr>
-          <p:nvPr/>
-        </p:nvPicPr>
-        <p:blipFill rotWithShape="1">
-          <a:blip r:embed="rId2"/>
-          <a:srcRect l="15115" r="8020"/>
-          <a:stretch/>
-        </p:blipFill>
-        <p:spPr>
-          <a:xfrm>
-            <a:off x="1" y="10"/>
-            <a:ext cx="7028495" cy="6857990"/>
-          </a:xfrm>
-          <a:custGeom>
-            <a:avLst/>
-            <a:gdLst/>
-            <a:ahLst/>
-            <a:cxnLst/>
-            <a:rect l="l" t="t" r="r" b="b"/>
-            <a:pathLst>
-              <a:path w="7028495" h="6858000">
-                <a:moveTo>
-                  <a:pt x="0" y="0"/>
-                </a:moveTo>
-                <a:lnTo>
-                  <a:pt x="6915668" y="0"/>
-                </a:lnTo>
-                <a:lnTo>
-                  <a:pt x="6952411" y="219663"/>
-                </a:lnTo>
-                <a:cubicBezTo>
-                  <a:pt x="7002551" y="569921"/>
-                  <a:pt x="7028495" y="927986"/>
-                  <a:pt x="7028495" y="1292112"/>
-                </a:cubicBezTo>
-                <a:cubicBezTo>
-                  <a:pt x="7028495" y="3343346"/>
-                  <a:pt x="6205186" y="5202289"/>
-                  <a:pt x="4870994" y="6556512"/>
-                </a:cubicBezTo>
-                <a:lnTo>
-                  <a:pt x="4556185" y="6858000"/>
-                </a:lnTo>
-                <a:lnTo>
-                  <a:pt x="0" y="6858000"/>
-                </a:lnTo>
-                <a:close/>
-              </a:path>
-            </a:pathLst>
-          </a:custGeom>
-        </p:spPr>
-      </p:pic>
-    </p:spTree>
-    <p:extLst>
-      <p:ext uri="{BB962C8B-B14F-4D97-AF65-F5344CB8AC3E}">
-        <p14:creationId xmlns:p14="http://schemas.microsoft.com/office/powerpoint/2010/main" val="2050843898"/>
-      </p:ext>
-    </p:extLst>
-  </p:cSld>
-  <p:clrMapOvr>
-    <a:overrideClrMapping bg1="dk1" tx1="lt1" bg2="dk2" tx2="lt2" accent1="accent1" accent2="accent2" accent3="accent3" accent4="accent4" accent5="accent5" accent6="accent6" hlink="hlink" folHlink="folHlink"/>
-  </p:clrMapOvr>
-</p:sld>
-</file>
-
-<file path=ppt/slides/slide2.xml><?xml version="1.0" encoding="utf-8"?>
-<p:sld xmlns:a="http://schemas.openxmlformats.org/drawingml/2006/main" xmlns:r="http://schemas.openxmlformats.org/officeDocument/2006/relationships" xmlns:p="http://schemas.openxmlformats.org/presentationml/2006/main">
-  <p:cSld>
-    <p:bg>
-      <p:bgPr>
-        <a:solidFill>
-          <a:schemeClr val="bg1"/>
-        </a:solidFill>
-        <a:effectLst/>
-      </p:bgPr>
-    </p:bg>
-    <p:spTree>
-      <p:nvGrpSpPr>
-        <p:cNvPr id="1" name=""/>
-        <p:cNvGrpSpPr/>
-        <p:nvPr/>
-      </p:nvGrpSpPr>
-      <p:grpSpPr>
-        <a:xfrm>
-          <a:off x="0" y="0"/>
-          <a:ext cx="0" cy="0"/>
-          <a:chOff x="0" y="0"/>
-          <a:chExt cx="0" cy="0"/>
-        </a:xfrm>
-      </p:grpSpPr>
-      <p:sp>
-        <p:nvSpPr>
-          <p:cNvPr id="9" name="Rectangle 8">
-            <a:extLst>
-              <a:ext uri="{FF2B5EF4-FFF2-40B4-BE49-F238E27FC236}">
-                <a16:creationId xmlns:a16="http://schemas.microsoft.com/office/drawing/2014/main" id="{B819A166-7571-4003-A6B8-B62034C3ED30}"/>
-              </a:ext>
-              <a:ext uri="{C183D7F6-B498-43B3-948B-1728B52AA6E4}">
-                <adec:decorative xmlns:adec="http://schemas.microsoft.com/office/drawing/2017/decorative" val="1"/>
-              </a:ext>
-            </a:extLst>
-          </p:cNvPr>
-          <p:cNvSpPr>
-            <a:spLocks noGrp="1" noRot="1" noChangeAspect="1" noMove="1" noResize="1" noEditPoints="1" noAdjustHandles="1" noChangeArrowheads="1" noChangeShapeType="1" noTextEdit="1"/>
-          </p:cNvSpPr>
-          <p:nvPr>
-            <p:extLst>
-              <p:ext uri="{386F3935-93C4-4BCD-93E2-E3B085C9AB24}">
-                <p16:designElem xmlns:p16="http://schemas.microsoft.com/office/powerpoint/2015/main" val="1"/>
-              </p:ext>
-            </p:extLst>
-          </p:nvPr>
-        </p:nvSpPr>
-        <p:spPr>
-          <a:xfrm>
-            <a:off x="-1" y="0"/>
-            <a:ext cx="5093209" cy="6858000"/>
-          </a:xfrm>
-          <a:prstGeom prst="rect">
-            <a:avLst/>
-          </a:prstGeom>
-          <a:solidFill>
-            <a:schemeClr val="accent1"/>
-          </a:solidFill>
-          <a:ln>
-            <a:noFill/>
-          </a:ln>
-        </p:spPr>
-        <p:style>
-          <a:lnRef idx="2">
-            <a:schemeClr val="accent1">
-              <a:shade val="50000"/>
-            </a:schemeClr>
-          </a:lnRef>
-          <a:fillRef idx="1">
-            <a:schemeClr val="accent1"/>
-          </a:fillRef>
-          <a:effectRef idx="0">
-            <a:schemeClr val="accent1"/>
-          </a:effectRef>
-          <a:fontRef idx="minor">
-            <a:schemeClr val="lt1"/>
-          </a:fontRef>
-        </p:style>
-        <p:txBody>
-          <a:bodyPr rtlCol="0" anchor="ctr"/>
-          <a:lstStyle/>
-          <a:p>
-            <a:pPr algn="ctr"/>
-            <a:endParaRPr lang="en-US" dirty="0"/>
-          </a:p>
-        </p:txBody>
-      </p:sp>
-      <p:sp>
-        <p:nvSpPr>
-          <p:cNvPr id="2" name="Title 1">
-            <a:extLst>
-              <a:ext uri="{FF2B5EF4-FFF2-40B4-BE49-F238E27FC236}">
-                <a16:creationId xmlns:a16="http://schemas.microsoft.com/office/drawing/2014/main" id="{09CDC13B-4BA8-9F49-9709-0E961F8D583F}"/>
-              </a:ext>
-            </a:extLst>
-          </p:cNvPr>
-          <p:cNvSpPr>
-            <a:spLocks noGrp="1"/>
-          </p:cNvSpPr>
-          <p:nvPr>
-            <p:ph type="title"/>
-          </p:nvPr>
-        </p:nvSpPr>
-        <p:spPr>
-          <a:xfrm>
-            <a:off x="524741" y="620392"/>
-            <a:ext cx="3808268" cy="5504688"/>
-          </a:xfrm>
-        </p:spPr>
-        <p:txBody>
-          <a:bodyPr>
-            <a:normAutofit/>
-          </a:bodyPr>
-          <a:lstStyle/>
-          <a:p>
-            <a:r>
-              <a:rPr lang="en-US" sz="6000">
-                <a:solidFill>
-                  <a:schemeClr val="bg1"/>
-                </a:solidFill>
-              </a:rPr>
-              <a:t>Outline</a:t>
-            </a:r>
-          </a:p>
-        </p:txBody>
-      </p:sp>
-      <p:graphicFrame>
-        <p:nvGraphicFramePr>
-          <p:cNvPr id="5" name="Content Placeholder 2">
-            <a:extLst>
-              <a:ext uri="{FF2B5EF4-FFF2-40B4-BE49-F238E27FC236}">
-                <a16:creationId xmlns:a16="http://schemas.microsoft.com/office/drawing/2014/main" id="{F41589F1-FB7D-406E-8E41-0C198746D284}"/>
-              </a:ext>
-            </a:extLst>
-          </p:cNvPr>
-          <p:cNvGraphicFramePr>
-            <a:graphicFrameLocks noGrp="1"/>
-          </p:cNvGraphicFramePr>
-          <p:nvPr>
-            <p:ph idx="1"/>
-            <p:extLst>
-              <p:ext uri="{D42A27DB-BD31-4B8C-83A1-F6EECF244321}">
-                <p14:modId xmlns:p14="http://schemas.microsoft.com/office/powerpoint/2010/main" val="3275262890"/>
-              </p:ext>
-            </p:extLst>
-          </p:nvPr>
-        </p:nvGraphicFramePr>
-        <p:xfrm>
-          <a:off x="5468389" y="620392"/>
-          <a:ext cx="6263640" cy="5504688"/>
-        </p:xfrm>
-        <a:graphic>
-          <a:graphicData uri="http://schemas.openxmlformats.org/drawingml/2006/diagram">
-            <dgm:relIds xmlns:dgm="http://schemas.openxmlformats.org/drawingml/2006/diagram" xmlns:r="http://schemas.openxmlformats.org/officeDocument/2006/relationships" r:dm="rId2" r:lo="rId3" r:qs="rId4" r:cs="rId5"/>
-          </a:graphicData>
-        </a:graphic>
-      </p:graphicFrame>
-    </p:spTree>
-    <p:extLst>
-      <p:ext uri="{BB962C8B-B14F-4D97-AF65-F5344CB8AC3E}">
-        <p14:creationId xmlns:p14="http://schemas.microsoft.com/office/powerpoint/2010/main" val="3820430782"/>
-      </p:ext>
-    </p:extLst>
-  </p:cSld>
-  <p:clrMapOvr>
-    <a:masterClrMapping/>
-  </p:clrMapOvr>
-</p:sld>
-</file>
-
-<file path=ppt/slides/slide3.xml><?xml version="1.0" encoding="utf-8"?>
-<p:sld xmlns:a="http://schemas.openxmlformats.org/drawingml/2006/main" xmlns:r="http://schemas.openxmlformats.org/officeDocument/2006/relationships" xmlns:p="http://schemas.openxmlformats.org/presentationml/2006/main">
-  <p:cSld>
-    <p:bg>
-      <p:bgPr>
-        <a:solidFill>
-          <a:schemeClr val="bg1"/>
-        </a:solidFill>
-        <a:effectLst/>
-      </p:bgPr>
-    </p:bg>
-    <p:spTree>
-      <p:nvGrpSpPr>
-        <p:cNvPr id="1" name=""/>
-        <p:cNvGrpSpPr/>
-        <p:nvPr/>
-      </p:nvGrpSpPr>
-      <p:grpSpPr>
-        <a:xfrm>
-          <a:off x="0" y="0"/>
-          <a:ext cx="0" cy="0"/>
-          <a:chOff x="0" y="0"/>
-          <a:chExt cx="0" cy="0"/>
-        </a:xfrm>
-      </p:grpSpPr>
-      <p:sp>
-        <p:nvSpPr>
-          <p:cNvPr id="2" name="Title 1">
-            <a:extLst>
-              <a:ext uri="{FF2B5EF4-FFF2-40B4-BE49-F238E27FC236}">
-                <a16:creationId xmlns:a16="http://schemas.microsoft.com/office/drawing/2014/main" id="{036889FD-31F8-744B-849A-1E6652BB52C1}"/>
-              </a:ext>
-            </a:extLst>
-          </p:cNvPr>
-          <p:cNvSpPr>
-            <a:spLocks noGrp="1"/>
-          </p:cNvSpPr>
-          <p:nvPr>
-            <p:ph type="title"/>
-          </p:nvPr>
-        </p:nvSpPr>
-        <p:spPr>
-          <a:xfrm>
-            <a:off x="4965430" y="629268"/>
-            <a:ext cx="6586491" cy="1286160"/>
-          </a:xfrm>
-        </p:spPr>
-        <p:txBody>
-          <a:bodyPr anchor="b">
-            <a:normAutofit/>
-          </a:bodyPr>
-          <a:lstStyle/>
-          <a:p>
-            <a:r>
-              <a:rPr lang="en-US" dirty="0"/>
-              <a:t>Background</a:t>
-            </a:r>
-          </a:p>
-        </p:txBody>
-      </p:sp>
-      <p:sp>
-        <p:nvSpPr>
-          <p:cNvPr id="3" name="Content Placeholder 2">
-            <a:extLst>
-              <a:ext uri="{FF2B5EF4-FFF2-40B4-BE49-F238E27FC236}">
-                <a16:creationId xmlns:a16="http://schemas.microsoft.com/office/drawing/2014/main" id="{D02A6774-4342-3947-A4BF-456CA6E71817}"/>
-              </a:ext>
-            </a:extLst>
-          </p:cNvPr>
-          <p:cNvSpPr>
-            <a:spLocks noGrp="1"/>
-          </p:cNvSpPr>
-          <p:nvPr>
-            <p:ph idx="1"/>
-          </p:nvPr>
-        </p:nvSpPr>
-        <p:spPr>
-          <a:xfrm>
-            <a:off x="4965431" y="2438400"/>
-            <a:ext cx="6586489" cy="3785419"/>
-          </a:xfrm>
-        </p:spPr>
-        <p:txBody>
-          <a:bodyPr>
-            <a:normAutofit/>
-          </a:bodyPr>
-          <a:lstStyle/>
-          <a:p>
-            <a:r>
-              <a:rPr lang="en-US" sz="2000" dirty="0"/>
-              <a:t>Customer turnover affects every company.  For this telecom company, the causes are first identified . Using machine learning identify models that provide the most accurate response for future predictions</a:t>
-            </a:r>
-          </a:p>
-        </p:txBody>
-      </p:sp>
-      <p:pic>
-        <p:nvPicPr>
-          <p:cNvPr id="5" name="Picture 4" descr="Different numbers in 3D">
-            <a:extLst>
-              <a:ext uri="{FF2B5EF4-FFF2-40B4-BE49-F238E27FC236}">
-                <a16:creationId xmlns:a16="http://schemas.microsoft.com/office/drawing/2014/main" id="{AE7B3AC8-F20F-4597-94E7-7EDCBC195057}"/>
-              </a:ext>
-            </a:extLst>
-          </p:cNvPr>
-          <p:cNvPicPr>
-            <a:picLocks noChangeAspect="1"/>
-          </p:cNvPicPr>
-          <p:nvPr/>
-        </p:nvPicPr>
-        <p:blipFill rotWithShape="1">
-          <a:blip r:embed="rId2"/>
-          <a:srcRect l="33649" r="28330"/>
-          <a:stretch/>
-        </p:blipFill>
-        <p:spPr>
-          <a:xfrm>
-            <a:off x="20" y="10"/>
-            <a:ext cx="4635571" cy="6857990"/>
-          </a:xfrm>
-          <a:prstGeom prst="rect">
-            <a:avLst/>
-          </a:prstGeom>
-          <a:effectLst/>
-        </p:spPr>
-      </p:pic>
-      <p:cxnSp>
-        <p:nvCxnSpPr>
-          <p:cNvPr id="9" name="Straight Connector 8">
-            <a:extLst>
-              <a:ext uri="{FF2B5EF4-FFF2-40B4-BE49-F238E27FC236}">
-                <a16:creationId xmlns:a16="http://schemas.microsoft.com/office/drawing/2014/main" id="{A7F400EE-A8A5-48AF-B4D6-291B52C6F0B0}"/>
-              </a:ext>
-              <a:ext uri="{C183D7F6-B498-43B3-948B-1728B52AA6E4}">
-                <adec:decorative xmlns:adec="http://schemas.microsoft.com/office/drawing/2017/decorative" val="1"/>
-              </a:ext>
-            </a:extLst>
-          </p:cNvPr>
-          <p:cNvCxnSpPr>
-            <a:cxnSpLocks noGrp="1" noRot="1" noChangeAspect="1" noMove="1" noResize="1" noEditPoints="1" noAdjustHandles="1" noChangeArrowheads="1" noChangeShapeType="1"/>
-          </p:cNvCxnSpPr>
-          <p:nvPr>
-            <p:extLst>
-              <p:ext uri="{386F3935-93C4-4BCD-93E2-E3B085C9AB24}">
-                <p16:designElem xmlns:p16="http://schemas.microsoft.com/office/powerpoint/2015/main" val="1"/>
-              </p:ext>
-            </p:extLst>
-          </p:nvPr>
-        </p:nvCxnSpPr>
-        <p:spPr>
-          <a:xfrm>
-            <a:off x="5080934" y="2115117"/>
-            <a:ext cx="6309360" cy="0"/>
-          </a:xfrm>
-          <a:prstGeom prst="line">
-            <a:avLst/>
-          </a:prstGeom>
-          <a:ln w="19050">
-            <a:solidFill>
-              <a:srgbClr val="63C3D0"/>
-            </a:solidFill>
-          </a:ln>
-        </p:spPr>
-        <p:style>
-          <a:lnRef idx="1">
-            <a:schemeClr val="accent1"/>
-          </a:lnRef>
-          <a:fillRef idx="0">
-            <a:schemeClr val="accent1"/>
-          </a:fillRef>
-          <a:effectRef idx="0">
-            <a:schemeClr val="accent1"/>
-          </a:effectRef>
-          <a:fontRef idx="minor">
-            <a:schemeClr val="tx1"/>
-          </a:fontRef>
-        </p:style>
-      </p:cxnSp>
-    </p:spTree>
-    <p:extLst>
-      <p:ext uri="{BB962C8B-B14F-4D97-AF65-F5344CB8AC3E}">
-        <p14:creationId xmlns:p14="http://schemas.microsoft.com/office/powerpoint/2010/main" val="1414301555"/>
-      </p:ext>
-    </p:extLst>
-  </p:cSld>
-  <p:clrMapOvr>
-    <a:masterClrMapping/>
-  </p:clrMapOvr>
-</p:sld>
-</file>
-
-<file path=ppt/slides/slide4.xml><?xml version="1.0" encoding="utf-8"?>
 <p:sld xmlns:a="http://schemas.openxmlformats.org/drawingml/2006/main" xmlns:r="http://schemas.openxmlformats.org/officeDocument/2006/relationships" xmlns:p="http://schemas.openxmlformats.org/presentationml/2006/main">
   <p:cSld>
     <p:bg>
@@ -8812,7 +8277,7 @@
           <p:cNvPr id="2" name="Title 1">
             <a:extLst>
               <a:ext uri="{FF2B5EF4-FFF2-40B4-BE49-F238E27FC236}">
-                <a16:creationId xmlns:a16="http://schemas.microsoft.com/office/drawing/2014/main" id="{F1D83F11-C380-2C4C-B0C5-18B276A1C18B}"/>
+                <a16:creationId xmlns:a16="http://schemas.microsoft.com/office/drawing/2014/main" id="{46E91C97-A06F-AC4A-8D1E-7409EF5640B1}"/>
               </a:ext>
             </a:extLst>
           </p:cNvPr>
@@ -8837,12 +8302,12 @@
           <a:p>
             <a:pPr algn="r"/>
             <a:r>
-              <a:rPr lang="en-US" sz="4000">
+              <a:rPr lang="en-US" sz="4000" dirty="0">
                 <a:solidFill>
                   <a:srgbClr val="FFFFFF"/>
                 </a:solidFill>
               </a:rPr>
-              <a:t>Business Problem</a:t>
+              <a:t>Summary of Findings / Conclusion</a:t>
             </a:r>
           </a:p>
         </p:txBody>
@@ -8852,7 +8317,7 @@
           <p:cNvPr id="3" name="Content Placeholder 2">
             <a:extLst>
               <a:ext uri="{FF2B5EF4-FFF2-40B4-BE49-F238E27FC236}">
-                <a16:creationId xmlns:a16="http://schemas.microsoft.com/office/drawing/2014/main" id="{A6D7FAC5-BF10-9D47-9CE8-14F48516D522}"/>
+                <a16:creationId xmlns:a16="http://schemas.microsoft.com/office/drawing/2014/main" id="{F0879E51-3025-FD47-A6D2-158E9D009E69}"/>
               </a:ext>
             </a:extLst>
           </p:cNvPr>
@@ -8877,15 +8342,42 @@
           <a:p>
             <a:r>
               <a:rPr lang="en-US" sz="2000" dirty="0"/>
-              <a:t>In a Perfect world, customer retention would be 100 percent. Unfortunately customer turnover is an everyday thing. First we identify causes of turnover. Then using machine learning algorithms, we can predict which would give us the most accurate predictions for future predictions</a:t>
+              <a:t>International plan holders, are 7 times more likely to leave.</a:t>
             </a:r>
+          </a:p>
+          <a:p>
+            <a:r>
+              <a:rPr lang="en-US" sz="2000" dirty="0"/>
+              <a:t>Customer service callers are 55% more likely to leave.</a:t>
+            </a:r>
+          </a:p>
+          <a:p>
+            <a:r>
+              <a:rPr lang="en-US" sz="2000" dirty="0"/>
+              <a:t>customer services calls and  total international plans were top two important features</a:t>
+            </a:r>
+          </a:p>
+          <a:p>
+            <a:r>
+              <a:rPr lang="en-US" sz="2000" dirty="0"/>
+              <a:t>Most models had similar accuracy</a:t>
+            </a:r>
+          </a:p>
+          <a:p>
+            <a:r>
+              <a:rPr lang="en-US" sz="2000" dirty="0"/>
+              <a:t>F1 score, deciding factor. Random Forests best model.</a:t>
+            </a:r>
+          </a:p>
+          <a:p>
+            <a:endParaRPr lang="en-US" dirty="0"/>
           </a:p>
         </p:txBody>
       </p:sp>
     </p:spTree>
     <p:extLst>
       <p:ext uri="{BB962C8B-B14F-4D97-AF65-F5344CB8AC3E}">
-        <p14:creationId xmlns:p14="http://schemas.microsoft.com/office/powerpoint/2010/main" val="1795258576"/>
+        <p14:creationId xmlns:p14="http://schemas.microsoft.com/office/powerpoint/2010/main" val="1690659996"/>
       </p:ext>
     </p:extLst>
   </p:cSld>
@@ -8895,7 +8387,645 @@
 </p:sld>
 </file>
 
-<file path=ppt/slides/slide5.xml><?xml version="1.0" encoding="utf-8"?>
+<file path=ppt/slides/slide12.xml><?xml version="1.0" encoding="utf-8"?>
+<p:sld xmlns:a="http://schemas.openxmlformats.org/drawingml/2006/main" xmlns:r="http://schemas.openxmlformats.org/officeDocument/2006/relationships" xmlns:p="http://schemas.openxmlformats.org/presentationml/2006/main">
+  <p:cSld>
+    <p:bg>
+      <p:bgPr>
+        <a:solidFill>
+          <a:schemeClr val="bg1">
+            <a:tint val="95000"/>
+            <a:satMod val="170000"/>
+          </a:schemeClr>
+        </a:solidFill>
+        <a:effectLst/>
+      </p:bgPr>
+    </p:bg>
+    <p:spTree>
+      <p:nvGrpSpPr>
+        <p:cNvPr id="1" name=""/>
+        <p:cNvGrpSpPr/>
+        <p:nvPr/>
+      </p:nvGrpSpPr>
+      <p:grpSpPr>
+        <a:xfrm>
+          <a:off x="0" y="0"/>
+          <a:ext cx="0" cy="0"/>
+          <a:chOff x="0" y="0"/>
+          <a:chExt cx="0" cy="0"/>
+        </a:xfrm>
+      </p:grpSpPr>
+      <p:sp>
+        <p:nvSpPr>
+          <p:cNvPr id="2" name="Title 1">
+            <a:extLst>
+              <a:ext uri="{FF2B5EF4-FFF2-40B4-BE49-F238E27FC236}">
+                <a16:creationId xmlns:a16="http://schemas.microsoft.com/office/drawing/2014/main" id="{9B084033-13FC-4C4D-9949-214B40020603}"/>
+              </a:ext>
+            </a:extLst>
+          </p:cNvPr>
+          <p:cNvSpPr>
+            <a:spLocks noGrp="1"/>
+          </p:cNvSpPr>
+          <p:nvPr>
+            <p:ph type="title"/>
+          </p:nvPr>
+        </p:nvSpPr>
+        <p:spPr>
+          <a:xfrm>
+            <a:off x="7464614" y="1783959"/>
+            <a:ext cx="4087306" cy="2889114"/>
+          </a:xfrm>
+        </p:spPr>
+        <p:txBody>
+          <a:bodyPr vert="horz" lIns="91440" tIns="45720" rIns="91440" bIns="45720" rtlCol="0" anchor="b">
+            <a:normAutofit/>
+          </a:bodyPr>
+          <a:lstStyle/>
+          <a:p>
+            <a:r>
+              <a:rPr lang="en-US" sz="5400"/>
+              <a:t>Thank you!</a:t>
+            </a:r>
+          </a:p>
+        </p:txBody>
+      </p:sp>
+      <p:sp>
+        <p:nvSpPr>
+          <p:cNvPr id="9" name="Freeform: Shape 8">
+            <a:extLst>
+              <a:ext uri="{FF2B5EF4-FFF2-40B4-BE49-F238E27FC236}">
+                <a16:creationId xmlns:a16="http://schemas.microsoft.com/office/drawing/2014/main" id="{E49CC64F-7275-4E33-961B-0C5CDC439875}"/>
+              </a:ext>
+              <a:ext uri="{C183D7F6-B498-43B3-948B-1728B52AA6E4}">
+                <adec:decorative xmlns:adec="http://schemas.microsoft.com/office/drawing/2017/decorative" val="1"/>
+              </a:ext>
+            </a:extLst>
+          </p:cNvPr>
+          <p:cNvSpPr>
+            <a:spLocks noGrp="1" noRot="1" noChangeAspect="1" noMove="1" noResize="1" noEditPoints="1" noAdjustHandles="1" noChangeArrowheads="1" noChangeShapeType="1" noTextEdit="1"/>
+          </p:cNvSpPr>
+          <p:nvPr>
+            <p:extLst>
+              <p:ext uri="{386F3935-93C4-4BCD-93E2-E3B085C9AB24}">
+                <p16:designElem xmlns:p16="http://schemas.microsoft.com/office/powerpoint/2015/main" val="1"/>
+              </p:ext>
+            </p:extLst>
+          </p:nvPr>
+        </p:nvSpPr>
+        <p:spPr>
+          <a:xfrm flipH="1" flipV="1">
+            <a:off x="1" y="0"/>
+            <a:ext cx="7188051" cy="6858000"/>
+          </a:xfrm>
+          <a:custGeom>
+            <a:avLst/>
+            <a:gdLst>
+              <a:gd name="connsiteX0" fmla="*/ 7188051 w 7188051"/>
+              <a:gd name="connsiteY0" fmla="*/ 6858000 h 6858000"/>
+              <a:gd name="connsiteX1" fmla="*/ 108694 w 7188051"/>
+              <a:gd name="connsiteY1" fmla="*/ 6858000 h 6858000"/>
+              <a:gd name="connsiteX2" fmla="*/ 79127 w 7188051"/>
+              <a:gd name="connsiteY2" fmla="*/ 6681235 h 6858000"/>
+              <a:gd name="connsiteX3" fmla="*/ 0 w 7188051"/>
+              <a:gd name="connsiteY3" fmla="*/ 5565888 h 6858000"/>
+              <a:gd name="connsiteX4" fmla="*/ 2190696 w 7188051"/>
+              <a:gd name="connsiteY4" fmla="*/ 145339 h 6858000"/>
+              <a:gd name="connsiteX5" fmla="*/ 2339431 w 7188051"/>
+              <a:gd name="connsiteY5" fmla="*/ 0 h 6858000"/>
+              <a:gd name="connsiteX6" fmla="*/ 7188051 w 7188051"/>
+              <a:gd name="connsiteY6" fmla="*/ 0 h 6858000"/>
+            </a:gdLst>
+            <a:ahLst/>
+            <a:cxnLst>
+              <a:cxn ang="0">
+                <a:pos x="connsiteX0" y="connsiteY0"/>
+              </a:cxn>
+              <a:cxn ang="0">
+                <a:pos x="connsiteX1" y="connsiteY1"/>
+              </a:cxn>
+              <a:cxn ang="0">
+                <a:pos x="connsiteX2" y="connsiteY2"/>
+              </a:cxn>
+              <a:cxn ang="0">
+                <a:pos x="connsiteX3" y="connsiteY3"/>
+              </a:cxn>
+              <a:cxn ang="0">
+                <a:pos x="connsiteX4" y="connsiteY4"/>
+              </a:cxn>
+              <a:cxn ang="0">
+                <a:pos x="connsiteX5" y="connsiteY5"/>
+              </a:cxn>
+              <a:cxn ang="0">
+                <a:pos x="connsiteX6" y="connsiteY6"/>
+              </a:cxn>
+            </a:cxnLst>
+            <a:rect l="l" t="t" r="r" b="b"/>
+            <a:pathLst>
+              <a:path w="7188051" h="6858000">
+                <a:moveTo>
+                  <a:pt x="7188051" y="6858000"/>
+                </a:moveTo>
+                <a:lnTo>
+                  <a:pt x="108694" y="6858000"/>
+                </a:lnTo>
+                <a:lnTo>
+                  <a:pt x="79127" y="6681235"/>
+                </a:lnTo>
+                <a:cubicBezTo>
+                  <a:pt x="26981" y="6316967"/>
+                  <a:pt x="0" y="5944579"/>
+                  <a:pt x="0" y="5565888"/>
+                </a:cubicBezTo>
+                <a:cubicBezTo>
+                  <a:pt x="0" y="3459953"/>
+                  <a:pt x="834428" y="1548908"/>
+                  <a:pt x="2190696" y="145339"/>
+                </a:cubicBezTo>
+                <a:lnTo>
+                  <a:pt x="2339431" y="0"/>
+                </a:lnTo>
+                <a:lnTo>
+                  <a:pt x="7188051" y="0"/>
+                </a:lnTo>
+                <a:close/>
+              </a:path>
+            </a:pathLst>
+          </a:custGeom>
+          <a:solidFill>
+            <a:schemeClr val="tx1">
+              <a:alpha val="80000"/>
+            </a:schemeClr>
+          </a:solidFill>
+          <a:ln>
+            <a:noFill/>
+          </a:ln>
+        </p:spPr>
+        <p:style>
+          <a:lnRef idx="2">
+            <a:schemeClr val="accent1">
+              <a:shade val="50000"/>
+            </a:schemeClr>
+          </a:lnRef>
+          <a:fillRef idx="1">
+            <a:schemeClr val="accent1"/>
+          </a:fillRef>
+          <a:effectRef idx="0">
+            <a:schemeClr val="accent1"/>
+          </a:effectRef>
+          <a:fontRef idx="minor">
+            <a:schemeClr val="lt1"/>
+          </a:fontRef>
+        </p:style>
+        <p:txBody>
+          <a:bodyPr wrap="square" rtlCol="0" anchor="ctr">
+            <a:noAutofit/>
+          </a:bodyPr>
+          <a:lstStyle/>
+          <a:p>
+            <a:pPr algn="ctr"/>
+            <a:endParaRPr lang="en-US"/>
+          </a:p>
+        </p:txBody>
+      </p:sp>
+      <p:pic>
+        <p:nvPicPr>
+          <p:cNvPr id="5" name="Picture 4" descr="Aerial view of a highway near the ocean">
+            <a:extLst>
+              <a:ext uri="{FF2B5EF4-FFF2-40B4-BE49-F238E27FC236}">
+                <a16:creationId xmlns:a16="http://schemas.microsoft.com/office/drawing/2014/main" id="{1261D5C9-ECCF-4CB6-BDA8-D7BB7D99EE31}"/>
+              </a:ext>
+            </a:extLst>
+          </p:cNvPr>
+          <p:cNvPicPr>
+            <a:picLocks noChangeAspect="1"/>
+          </p:cNvPicPr>
+          <p:nvPr/>
+        </p:nvPicPr>
+        <p:blipFill rotWithShape="1">
+          <a:blip r:embed="rId2"/>
+          <a:srcRect l="15115" r="8020"/>
+          <a:stretch/>
+        </p:blipFill>
+        <p:spPr>
+          <a:xfrm>
+            <a:off x="1" y="10"/>
+            <a:ext cx="7028495" cy="6857990"/>
+          </a:xfrm>
+          <a:custGeom>
+            <a:avLst/>
+            <a:gdLst/>
+            <a:ahLst/>
+            <a:cxnLst/>
+            <a:rect l="l" t="t" r="r" b="b"/>
+            <a:pathLst>
+              <a:path w="7028495" h="6858000">
+                <a:moveTo>
+                  <a:pt x="0" y="0"/>
+                </a:moveTo>
+                <a:lnTo>
+                  <a:pt x="6915668" y="0"/>
+                </a:lnTo>
+                <a:lnTo>
+                  <a:pt x="6952411" y="219663"/>
+                </a:lnTo>
+                <a:cubicBezTo>
+                  <a:pt x="7002551" y="569921"/>
+                  <a:pt x="7028495" y="927986"/>
+                  <a:pt x="7028495" y="1292112"/>
+                </a:cubicBezTo>
+                <a:cubicBezTo>
+                  <a:pt x="7028495" y="3343346"/>
+                  <a:pt x="6205186" y="5202289"/>
+                  <a:pt x="4870994" y="6556512"/>
+                </a:cubicBezTo>
+                <a:lnTo>
+                  <a:pt x="4556185" y="6858000"/>
+                </a:lnTo>
+                <a:lnTo>
+                  <a:pt x="0" y="6858000"/>
+                </a:lnTo>
+                <a:close/>
+              </a:path>
+            </a:pathLst>
+          </a:custGeom>
+        </p:spPr>
+      </p:pic>
+    </p:spTree>
+    <p:extLst>
+      <p:ext uri="{BB962C8B-B14F-4D97-AF65-F5344CB8AC3E}">
+        <p14:creationId xmlns:p14="http://schemas.microsoft.com/office/powerpoint/2010/main" val="2050843898"/>
+      </p:ext>
+    </p:extLst>
+  </p:cSld>
+  <p:clrMapOvr>
+    <a:overrideClrMapping bg1="dk1" tx1="lt1" bg2="dk2" tx2="lt2" accent1="accent1" accent2="accent2" accent3="accent3" accent4="accent4" accent5="accent5" accent6="accent6" hlink="hlink" folHlink="folHlink"/>
+  </p:clrMapOvr>
+</p:sld>
+</file>
+
+<file path=ppt/slides/slide2.xml><?xml version="1.0" encoding="utf-8"?>
+<p:sld xmlns:a="http://schemas.openxmlformats.org/drawingml/2006/main" xmlns:r="http://schemas.openxmlformats.org/officeDocument/2006/relationships" xmlns:p="http://schemas.openxmlformats.org/presentationml/2006/main">
+  <p:cSld>
+    <p:bg>
+      <p:bgPr>
+        <a:solidFill>
+          <a:schemeClr val="bg1"/>
+        </a:solidFill>
+        <a:effectLst/>
+      </p:bgPr>
+    </p:bg>
+    <p:spTree>
+      <p:nvGrpSpPr>
+        <p:cNvPr id="1" name=""/>
+        <p:cNvGrpSpPr/>
+        <p:nvPr/>
+      </p:nvGrpSpPr>
+      <p:grpSpPr>
+        <a:xfrm>
+          <a:off x="0" y="0"/>
+          <a:ext cx="0" cy="0"/>
+          <a:chOff x="0" y="0"/>
+          <a:chExt cx="0" cy="0"/>
+        </a:xfrm>
+      </p:grpSpPr>
+      <p:sp>
+        <p:nvSpPr>
+          <p:cNvPr id="9" name="Rectangle 8">
+            <a:extLst>
+              <a:ext uri="{FF2B5EF4-FFF2-40B4-BE49-F238E27FC236}">
+                <a16:creationId xmlns:a16="http://schemas.microsoft.com/office/drawing/2014/main" id="{B819A166-7571-4003-A6B8-B62034C3ED30}"/>
+              </a:ext>
+              <a:ext uri="{C183D7F6-B498-43B3-948B-1728B52AA6E4}">
+                <adec:decorative xmlns:adec="http://schemas.microsoft.com/office/drawing/2017/decorative" val="1"/>
+              </a:ext>
+            </a:extLst>
+          </p:cNvPr>
+          <p:cNvSpPr>
+            <a:spLocks noGrp="1" noRot="1" noChangeAspect="1" noMove="1" noResize="1" noEditPoints="1" noAdjustHandles="1" noChangeArrowheads="1" noChangeShapeType="1" noTextEdit="1"/>
+          </p:cNvSpPr>
+          <p:nvPr>
+            <p:extLst>
+              <p:ext uri="{386F3935-93C4-4BCD-93E2-E3B085C9AB24}">
+                <p16:designElem xmlns:p16="http://schemas.microsoft.com/office/powerpoint/2015/main" val="1"/>
+              </p:ext>
+            </p:extLst>
+          </p:nvPr>
+        </p:nvSpPr>
+        <p:spPr>
+          <a:xfrm>
+            <a:off x="-1" y="0"/>
+            <a:ext cx="5093209" cy="6858000"/>
+          </a:xfrm>
+          <a:prstGeom prst="rect">
+            <a:avLst/>
+          </a:prstGeom>
+          <a:solidFill>
+            <a:schemeClr val="accent1"/>
+          </a:solidFill>
+          <a:ln>
+            <a:noFill/>
+          </a:ln>
+        </p:spPr>
+        <p:style>
+          <a:lnRef idx="2">
+            <a:schemeClr val="accent1">
+              <a:shade val="50000"/>
+            </a:schemeClr>
+          </a:lnRef>
+          <a:fillRef idx="1">
+            <a:schemeClr val="accent1"/>
+          </a:fillRef>
+          <a:effectRef idx="0">
+            <a:schemeClr val="accent1"/>
+          </a:effectRef>
+          <a:fontRef idx="minor">
+            <a:schemeClr val="lt1"/>
+          </a:fontRef>
+        </p:style>
+        <p:txBody>
+          <a:bodyPr rtlCol="0" anchor="ctr"/>
+          <a:lstStyle/>
+          <a:p>
+            <a:pPr algn="ctr"/>
+            <a:endParaRPr lang="en-US" dirty="0"/>
+          </a:p>
+        </p:txBody>
+      </p:sp>
+      <p:sp>
+        <p:nvSpPr>
+          <p:cNvPr id="2" name="Title 1">
+            <a:extLst>
+              <a:ext uri="{FF2B5EF4-FFF2-40B4-BE49-F238E27FC236}">
+                <a16:creationId xmlns:a16="http://schemas.microsoft.com/office/drawing/2014/main" id="{09CDC13B-4BA8-9F49-9709-0E961F8D583F}"/>
+              </a:ext>
+            </a:extLst>
+          </p:cNvPr>
+          <p:cNvSpPr>
+            <a:spLocks noGrp="1"/>
+          </p:cNvSpPr>
+          <p:nvPr>
+            <p:ph type="title"/>
+          </p:nvPr>
+        </p:nvSpPr>
+        <p:spPr>
+          <a:xfrm>
+            <a:off x="524741" y="620392"/>
+            <a:ext cx="3808268" cy="5504688"/>
+          </a:xfrm>
+        </p:spPr>
+        <p:txBody>
+          <a:bodyPr>
+            <a:normAutofit/>
+          </a:bodyPr>
+          <a:lstStyle/>
+          <a:p>
+            <a:r>
+              <a:rPr lang="en-US" sz="6000">
+                <a:solidFill>
+                  <a:schemeClr val="bg1"/>
+                </a:solidFill>
+              </a:rPr>
+              <a:t>Outline</a:t>
+            </a:r>
+          </a:p>
+        </p:txBody>
+      </p:sp>
+      <p:graphicFrame>
+        <p:nvGraphicFramePr>
+          <p:cNvPr id="5" name="Content Placeholder 2">
+            <a:extLst>
+              <a:ext uri="{FF2B5EF4-FFF2-40B4-BE49-F238E27FC236}">
+                <a16:creationId xmlns:a16="http://schemas.microsoft.com/office/drawing/2014/main" id="{F41589F1-FB7D-406E-8E41-0C198746D284}"/>
+              </a:ext>
+            </a:extLst>
+          </p:cNvPr>
+          <p:cNvGraphicFramePr>
+            <a:graphicFrameLocks noGrp="1"/>
+          </p:cNvGraphicFramePr>
+          <p:nvPr>
+            <p:ph idx="1"/>
+            <p:extLst>
+              <p:ext uri="{D42A27DB-BD31-4B8C-83A1-F6EECF244321}">
+                <p14:modId xmlns:p14="http://schemas.microsoft.com/office/powerpoint/2010/main" val="3275262890"/>
+              </p:ext>
+            </p:extLst>
+          </p:nvPr>
+        </p:nvGraphicFramePr>
+        <p:xfrm>
+          <a:off x="5468389" y="620392"/>
+          <a:ext cx="6263640" cy="5504688"/>
+        </p:xfrm>
+        <a:graphic>
+          <a:graphicData uri="http://schemas.openxmlformats.org/drawingml/2006/diagram">
+            <dgm:relIds xmlns:dgm="http://schemas.openxmlformats.org/drawingml/2006/diagram" xmlns:r="http://schemas.openxmlformats.org/officeDocument/2006/relationships" r:dm="rId2" r:lo="rId3" r:qs="rId4" r:cs="rId5"/>
+          </a:graphicData>
+        </a:graphic>
+      </p:graphicFrame>
+    </p:spTree>
+    <p:extLst>
+      <p:ext uri="{BB962C8B-B14F-4D97-AF65-F5344CB8AC3E}">
+        <p14:creationId xmlns:p14="http://schemas.microsoft.com/office/powerpoint/2010/main" val="3820430782"/>
+      </p:ext>
+    </p:extLst>
+  </p:cSld>
+  <p:clrMapOvr>
+    <a:masterClrMapping/>
+  </p:clrMapOvr>
+</p:sld>
+</file>
+
+<file path=ppt/slides/slide3.xml><?xml version="1.0" encoding="utf-8"?>
+<p:sld xmlns:a="http://schemas.openxmlformats.org/drawingml/2006/main" xmlns:r="http://schemas.openxmlformats.org/officeDocument/2006/relationships" xmlns:p="http://schemas.openxmlformats.org/presentationml/2006/main">
+  <p:cSld>
+    <p:bg>
+      <p:bgPr>
+        <a:solidFill>
+          <a:schemeClr val="bg1"/>
+        </a:solidFill>
+        <a:effectLst/>
+      </p:bgPr>
+    </p:bg>
+    <p:spTree>
+      <p:nvGrpSpPr>
+        <p:cNvPr id="1" name=""/>
+        <p:cNvGrpSpPr/>
+        <p:nvPr/>
+      </p:nvGrpSpPr>
+      <p:grpSpPr>
+        <a:xfrm>
+          <a:off x="0" y="0"/>
+          <a:ext cx="0" cy="0"/>
+          <a:chOff x="0" y="0"/>
+          <a:chExt cx="0" cy="0"/>
+        </a:xfrm>
+      </p:grpSpPr>
+      <p:sp>
+        <p:nvSpPr>
+          <p:cNvPr id="2" name="Title 1">
+            <a:extLst>
+              <a:ext uri="{FF2B5EF4-FFF2-40B4-BE49-F238E27FC236}">
+                <a16:creationId xmlns:a16="http://schemas.microsoft.com/office/drawing/2014/main" id="{036889FD-31F8-744B-849A-1E6652BB52C1}"/>
+              </a:ext>
+            </a:extLst>
+          </p:cNvPr>
+          <p:cNvSpPr>
+            <a:spLocks noGrp="1"/>
+          </p:cNvSpPr>
+          <p:nvPr>
+            <p:ph type="title"/>
+          </p:nvPr>
+        </p:nvSpPr>
+        <p:spPr>
+          <a:xfrm>
+            <a:off x="4965430" y="629268"/>
+            <a:ext cx="6586491" cy="1286160"/>
+          </a:xfrm>
+        </p:spPr>
+        <p:txBody>
+          <a:bodyPr anchor="b">
+            <a:normAutofit/>
+          </a:bodyPr>
+          <a:lstStyle/>
+          <a:p>
+            <a:r>
+              <a:rPr lang="en-US" dirty="0"/>
+              <a:t>Background</a:t>
+            </a:r>
+          </a:p>
+        </p:txBody>
+      </p:sp>
+      <p:sp>
+        <p:nvSpPr>
+          <p:cNvPr id="3" name="Content Placeholder 2">
+            <a:extLst>
+              <a:ext uri="{FF2B5EF4-FFF2-40B4-BE49-F238E27FC236}">
+                <a16:creationId xmlns:a16="http://schemas.microsoft.com/office/drawing/2014/main" id="{D02A6774-4342-3947-A4BF-456CA6E71817}"/>
+              </a:ext>
+            </a:extLst>
+          </p:cNvPr>
+          <p:cNvSpPr>
+            <a:spLocks noGrp="1"/>
+          </p:cNvSpPr>
+          <p:nvPr>
+            <p:ph idx="1"/>
+          </p:nvPr>
+        </p:nvSpPr>
+        <p:spPr>
+          <a:xfrm>
+            <a:off x="4965431" y="2438400"/>
+            <a:ext cx="6586489" cy="3785419"/>
+          </a:xfrm>
+        </p:spPr>
+        <p:txBody>
+          <a:bodyPr>
+            <a:normAutofit/>
+          </a:bodyPr>
+          <a:lstStyle/>
+          <a:p>
+            <a:r>
+              <a:rPr lang="en-US" sz="2000" dirty="0"/>
+              <a:t>Customer turnover affects every company.  For this telecom company, the causes are first identified . Using machine learning identify models that provide the most accurate response for future predictions</a:t>
+            </a:r>
+          </a:p>
+        </p:txBody>
+      </p:sp>
+      <p:pic>
+        <p:nvPicPr>
+          <p:cNvPr id="5" name="Picture 4" descr="Different numbers in 3D">
+            <a:extLst>
+              <a:ext uri="{FF2B5EF4-FFF2-40B4-BE49-F238E27FC236}">
+                <a16:creationId xmlns:a16="http://schemas.microsoft.com/office/drawing/2014/main" id="{AE7B3AC8-F20F-4597-94E7-7EDCBC195057}"/>
+              </a:ext>
+            </a:extLst>
+          </p:cNvPr>
+          <p:cNvPicPr>
+            <a:picLocks noChangeAspect="1"/>
+          </p:cNvPicPr>
+          <p:nvPr/>
+        </p:nvPicPr>
+        <p:blipFill rotWithShape="1">
+          <a:blip r:embed="rId2"/>
+          <a:srcRect l="33649" r="28330"/>
+          <a:stretch/>
+        </p:blipFill>
+        <p:spPr>
+          <a:xfrm>
+            <a:off x="20" y="10"/>
+            <a:ext cx="4635571" cy="6857990"/>
+          </a:xfrm>
+          <a:prstGeom prst="rect">
+            <a:avLst/>
+          </a:prstGeom>
+          <a:effectLst/>
+        </p:spPr>
+      </p:pic>
+      <p:cxnSp>
+        <p:nvCxnSpPr>
+          <p:cNvPr id="9" name="Straight Connector 8">
+            <a:extLst>
+              <a:ext uri="{FF2B5EF4-FFF2-40B4-BE49-F238E27FC236}">
+                <a16:creationId xmlns:a16="http://schemas.microsoft.com/office/drawing/2014/main" id="{A7F400EE-A8A5-48AF-B4D6-291B52C6F0B0}"/>
+              </a:ext>
+              <a:ext uri="{C183D7F6-B498-43B3-948B-1728B52AA6E4}">
+                <adec:decorative xmlns:adec="http://schemas.microsoft.com/office/drawing/2017/decorative" val="1"/>
+              </a:ext>
+            </a:extLst>
+          </p:cNvPr>
+          <p:cNvCxnSpPr>
+            <a:cxnSpLocks noGrp="1" noRot="1" noChangeAspect="1" noMove="1" noResize="1" noEditPoints="1" noAdjustHandles="1" noChangeArrowheads="1" noChangeShapeType="1"/>
+          </p:cNvCxnSpPr>
+          <p:nvPr>
+            <p:extLst>
+              <p:ext uri="{386F3935-93C4-4BCD-93E2-E3B085C9AB24}">
+                <p16:designElem xmlns:p16="http://schemas.microsoft.com/office/powerpoint/2015/main" val="1"/>
+              </p:ext>
+            </p:extLst>
+          </p:nvPr>
+        </p:nvCxnSpPr>
+        <p:spPr>
+          <a:xfrm>
+            <a:off x="5080934" y="2115117"/>
+            <a:ext cx="6309360" cy="0"/>
+          </a:xfrm>
+          <a:prstGeom prst="line">
+            <a:avLst/>
+          </a:prstGeom>
+          <a:ln w="19050">
+            <a:solidFill>
+              <a:srgbClr val="63C3D0"/>
+            </a:solidFill>
+          </a:ln>
+        </p:spPr>
+        <p:style>
+          <a:lnRef idx="1">
+            <a:schemeClr val="accent1"/>
+          </a:lnRef>
+          <a:fillRef idx="0">
+            <a:schemeClr val="accent1"/>
+          </a:fillRef>
+          <a:effectRef idx="0">
+            <a:schemeClr val="accent1"/>
+          </a:effectRef>
+          <a:fontRef idx="minor">
+            <a:schemeClr val="tx1"/>
+          </a:fontRef>
+        </p:style>
+      </p:cxnSp>
+    </p:spTree>
+    <p:extLst>
+      <p:ext uri="{BB962C8B-B14F-4D97-AF65-F5344CB8AC3E}">
+        <p14:creationId xmlns:p14="http://schemas.microsoft.com/office/powerpoint/2010/main" val="1414301555"/>
+      </p:ext>
+    </p:extLst>
+  </p:cSld>
+  <p:clrMapOvr>
+    <a:masterClrMapping/>
+  </p:clrMapOvr>
+</p:sld>
+</file>
+
+<file path=ppt/slides/slide4.xml><?xml version="1.0" encoding="utf-8"?>
 <p:sld xmlns:a="http://schemas.openxmlformats.org/drawingml/2006/main" xmlns:r="http://schemas.openxmlformats.org/officeDocument/2006/relationships" xmlns:p="http://schemas.openxmlformats.org/presentationml/2006/main">
   <p:cSld>
     <p:bg>
@@ -9547,7 +9677,7 @@
           <p:cNvPr id="2" name="Title 1">
             <a:extLst>
               <a:ext uri="{FF2B5EF4-FFF2-40B4-BE49-F238E27FC236}">
-                <a16:creationId xmlns:a16="http://schemas.microsoft.com/office/drawing/2014/main" id="{21613BA5-0051-8D40-B622-66501D61717A}"/>
+                <a16:creationId xmlns:a16="http://schemas.microsoft.com/office/drawing/2014/main" id="{F1D83F11-C380-2C4C-B0C5-18B276A1C18B}"/>
               </a:ext>
             </a:extLst>
           </p:cNvPr>
@@ -9577,7 +9707,7 @@
                   <a:srgbClr val="FFFFFF"/>
                 </a:solidFill>
               </a:rPr>
-              <a:t>Data</a:t>
+              <a:t>Business Problem</a:t>
             </a:r>
           </a:p>
         </p:txBody>
@@ -9587,7 +9717,7 @@
           <p:cNvPr id="3" name="Content Placeholder 2">
             <a:extLst>
               <a:ext uri="{FF2B5EF4-FFF2-40B4-BE49-F238E27FC236}">
-                <a16:creationId xmlns:a16="http://schemas.microsoft.com/office/drawing/2014/main" id="{572A965E-A3D1-0F4F-9A8B-4CF09B9CC7C8}"/>
+                <a16:creationId xmlns:a16="http://schemas.microsoft.com/office/drawing/2014/main" id="{A6D7FAC5-BF10-9D47-9CE8-14F48516D522}"/>
               </a:ext>
             </a:extLst>
           </p:cNvPr>
@@ -9600,8 +9730,8 @@
         </p:nvSpPr>
         <p:spPr>
           <a:xfrm>
-            <a:off x="4810259" y="649480"/>
-            <a:ext cx="6555347" cy="5546047"/>
+            <a:off x="4810259" y="649481"/>
+            <a:ext cx="6555347" cy="2779520"/>
           </a:xfrm>
         </p:spPr>
         <p:txBody>
@@ -9612,63 +9742,84 @@
           <a:p>
             <a:r>
               <a:rPr lang="en-US" sz="2000" dirty="0"/>
-              <a:t>Using Telecom data set. Dataset has 3333 rows, and 17 columns.</a:t>
+              <a:t>Maximize customer retention</a:t>
             </a:r>
           </a:p>
           <a:p>
             <a:r>
               <a:rPr lang="en-US" sz="2000" dirty="0"/>
-              <a:t>Contains data including </a:t>
+              <a:t>Minimize customer turnover</a:t>
             </a:r>
           </a:p>
           <a:p>
+            <a:r>
+              <a:rPr lang="en-US" sz="2000" dirty="0"/>
+              <a:t>Identify causes</a:t>
+            </a:r>
+          </a:p>
+          <a:p>
+            <a:r>
+              <a:rPr lang="en-US" sz="2000" dirty="0"/>
+              <a:t>Develop models that will help predict customer turnover</a:t>
+            </a:r>
+          </a:p>
+          <a:p>
             <a:pPr lvl="1"/>
-            <a:r>
-              <a:rPr lang="en-US" sz="1600" dirty="0"/>
-              <a:t>daytime calls, minutes and pricing.</a:t>
-            </a:r>
-          </a:p>
-          <a:p>
-            <a:pPr lvl="1"/>
-            <a:r>
-              <a:rPr lang="en-US" sz="1600" dirty="0"/>
-              <a:t>night time calls, minutes and pricing.</a:t>
-            </a:r>
-          </a:p>
-          <a:p>
-            <a:pPr lvl="1"/>
-            <a:r>
-              <a:rPr lang="en-US" sz="1600" dirty="0"/>
-              <a:t>International calls, minutes, pricing</a:t>
-            </a:r>
-          </a:p>
-          <a:p>
-            <a:pPr lvl="1"/>
-            <a:r>
-              <a:rPr lang="en-US" sz="1600" dirty="0"/>
-              <a:t>Customer service calls</a:t>
-            </a:r>
-          </a:p>
-          <a:p>
-            <a:pPr lvl="1"/>
-            <a:r>
-              <a:rPr lang="en-US" sz="1600" dirty="0"/>
-              <a:t>If customer had International plan</a:t>
-            </a:r>
-          </a:p>
-          <a:p>
-            <a:pPr lvl="1"/>
-            <a:r>
-              <a:rPr lang="en-US" sz="1600" dirty="0"/>
-              <a:t>Customer turnover, if the customer left or still a current customer</a:t>
-            </a:r>
-          </a:p>
-        </p:txBody>
-      </p:sp>
+            <a:endParaRPr lang="en-US" sz="1600" dirty="0"/>
+          </a:p>
+        </p:txBody>
+      </p:sp>
+      <p:pic>
+        <p:nvPicPr>
+          <p:cNvPr id="9" name="Picture 2">
+            <a:extLst>
+              <a:ext uri="{FF2B5EF4-FFF2-40B4-BE49-F238E27FC236}">
+                <a16:creationId xmlns:a16="http://schemas.microsoft.com/office/drawing/2014/main" id="{E3C66BE7-C45B-73A7-9D4A-98FE64426477}"/>
+              </a:ext>
+            </a:extLst>
+          </p:cNvPr>
+          <p:cNvPicPr>
+            <a:picLocks noChangeAspect="1" noChangeArrowheads="1"/>
+          </p:cNvPicPr>
+          <p:nvPr/>
+        </p:nvPicPr>
+        <p:blipFill>
+          <a:blip r:embed="rId2">
+            <a:extLst>
+              <a:ext uri="{28A0092B-C50C-407E-A947-70E740481C1C}">
+                <a14:useLocalDpi xmlns:a14="http://schemas.microsoft.com/office/drawing/2010/main" val="0"/>
+              </a:ext>
+            </a:extLst>
+          </a:blip>
+          <a:srcRect/>
+          <a:stretch>
+            <a:fillRect/>
+          </a:stretch>
+        </p:blipFill>
+        <p:spPr bwMode="auto">
+          <a:xfrm>
+            <a:off x="5406879" y="2964780"/>
+            <a:ext cx="5129571" cy="3410968"/>
+          </a:xfrm>
+          <a:prstGeom prst="rect">
+            <a:avLst/>
+          </a:prstGeom>
+          <a:noFill/>
+          <a:extLst>
+            <a:ext uri="{909E8E84-426E-40DD-AFC4-6F175D3DCCD1}">
+              <a14:hiddenFill xmlns:a14="http://schemas.microsoft.com/office/drawing/2010/main">
+                <a:solidFill>
+                  <a:srgbClr val="FFFFFF"/>
+                </a:solidFill>
+              </a14:hiddenFill>
+            </a:ext>
+          </a:extLst>
+        </p:spPr>
+      </p:pic>
     </p:spTree>
     <p:extLst>
       <p:ext uri="{BB962C8B-B14F-4D97-AF65-F5344CB8AC3E}">
-        <p14:creationId xmlns:p14="http://schemas.microsoft.com/office/powerpoint/2010/main" val="3090532460"/>
+        <p14:creationId xmlns:p14="http://schemas.microsoft.com/office/powerpoint/2010/main" val="1795258576"/>
       </p:ext>
     </p:extLst>
   </p:cSld>
@@ -9678,7 +9829,7 @@
 </p:sld>
 </file>
 
-<file path=ppt/slides/slide6.xml><?xml version="1.0" encoding="utf-8"?>
+<file path=ppt/slides/slide5.xml><?xml version="1.0" encoding="utf-8"?>
 <p:sld xmlns:a="http://schemas.openxmlformats.org/drawingml/2006/main" xmlns:r="http://schemas.openxmlformats.org/officeDocument/2006/relationships" xmlns:p="http://schemas.openxmlformats.org/presentationml/2006/main">
   <p:cSld>
     <p:bg>
@@ -10330,7 +10481,7 @@
           <p:cNvPr id="2" name="Title 1">
             <a:extLst>
               <a:ext uri="{FF2B5EF4-FFF2-40B4-BE49-F238E27FC236}">
-                <a16:creationId xmlns:a16="http://schemas.microsoft.com/office/drawing/2014/main" id="{B9A96219-0B50-DC43-9836-FD021AF451C7}"/>
+                <a16:creationId xmlns:a16="http://schemas.microsoft.com/office/drawing/2014/main" id="{21613BA5-0051-8D40-B622-66501D61717A}"/>
               </a:ext>
             </a:extLst>
           </p:cNvPr>
@@ -10360,7 +10511,7 @@
                   <a:srgbClr val="FFFFFF"/>
                 </a:solidFill>
               </a:rPr>
-              <a:t>Methods</a:t>
+              <a:t>Data</a:t>
             </a:r>
           </a:p>
         </p:txBody>
@@ -10370,7 +10521,7 @@
           <p:cNvPr id="3" name="Content Placeholder 2">
             <a:extLst>
               <a:ext uri="{FF2B5EF4-FFF2-40B4-BE49-F238E27FC236}">
-                <a16:creationId xmlns:a16="http://schemas.microsoft.com/office/drawing/2014/main" id="{8D24899F-AC40-5747-B683-C297EF6FF0A5}"/>
+                <a16:creationId xmlns:a16="http://schemas.microsoft.com/office/drawing/2014/main" id="{572A965E-A3D1-0F4F-9A8B-4CF09B9CC7C8}"/>
               </a:ext>
             </a:extLst>
           </p:cNvPr>
@@ -10395,61 +10546,55 @@
           <a:p>
             <a:r>
               <a:rPr lang="en-US" sz="2000" dirty="0"/>
-              <a:t>First evaluation using </a:t>
+              <a:t>Using Telecom data set. Dataset has 3333 rows, and 17 columns.</a:t>
             </a:r>
-            <a:r>
-              <a:rPr lang="en-US" sz="2000" dirty="0" err="1"/>
-              <a:t>statsmodel</a:t>
-            </a:r>
+          </a:p>
+          <a:p>
             <a:r>
               <a:rPr lang="en-US" sz="2000" dirty="0"/>
-              <a:t> logistic regression, to determine if variables in question have statistical significance to target variable</a:t>
+              <a:t>Contains data including </a:t>
             </a:r>
           </a:p>
           <a:p>
             <a:pPr lvl="1"/>
             <a:r>
               <a:rPr lang="en-US" sz="1600" dirty="0"/>
-              <a:t>Non-Necessary variables were removed.</a:t>
+              <a:t>daytime data</a:t>
             </a:r>
           </a:p>
           <a:p>
             <a:pPr lvl="1"/>
             <a:r>
               <a:rPr lang="en-US" sz="1600" dirty="0"/>
-              <a:t>Developed Several Models to evaluate performance</a:t>
-            </a:r>
-          </a:p>
-          <a:p>
-            <a:r>
-              <a:rPr lang="en-US" sz="2000" dirty="0"/>
-              <a:t>For Logistic Regression only</a:t>
+              <a:t>night time data</a:t>
             </a:r>
           </a:p>
           <a:p>
             <a:pPr lvl="1"/>
             <a:r>
               <a:rPr lang="en-US" sz="1600" dirty="0"/>
-              <a:t>Plot the Area Under The Curve using ROC to evaluate performance of model</a:t>
-            </a:r>
-          </a:p>
-          <a:p>
-            <a:r>
-              <a:rPr lang="en-US" sz="2000" dirty="0"/>
-              <a:t>For KNN, Decision Trees, and Random Forests Models, and Logistic Regression</a:t>
+              <a:t>International data</a:t>
             </a:r>
           </a:p>
           <a:p>
             <a:pPr lvl="1"/>
             <a:r>
               <a:rPr lang="en-US" sz="1600" dirty="0"/>
-              <a:t>Calculated accuracy using the confusion matrix</a:t>
+              <a:t>Customer service calls</a:t>
             </a:r>
           </a:p>
           <a:p>
+            <a:pPr lvl="1"/>
             <a:r>
-              <a:rPr lang="en-US" sz="2000" dirty="0"/>
-              <a:t>For Decision Trees only, provide feature importance to see which features played a role in customer turnover/customer retention</a:t>
+              <a:rPr lang="en-US" sz="1600" dirty="0"/>
+              <a:t>International plan</a:t>
+            </a:r>
+          </a:p>
+          <a:p>
+            <a:pPr lvl="1"/>
+            <a:r>
+              <a:rPr lang="en-US" sz="1600" dirty="0"/>
+              <a:t>Churn/turnover</a:t>
             </a:r>
           </a:p>
         </p:txBody>
@@ -10457,7 +10602,7 @@
     </p:spTree>
     <p:extLst>
       <p:ext uri="{BB962C8B-B14F-4D97-AF65-F5344CB8AC3E}">
-        <p14:creationId xmlns:p14="http://schemas.microsoft.com/office/powerpoint/2010/main" val="1707708481"/>
+        <p14:creationId xmlns:p14="http://schemas.microsoft.com/office/powerpoint/2010/main" val="3090532460"/>
       </p:ext>
     </p:extLst>
   </p:cSld>
@@ -10467,7 +10612,7 @@
 </p:sld>
 </file>
 
-<file path=ppt/slides/slide7.xml><?xml version="1.0" encoding="utf-8"?>
+<file path=ppt/slides/slide6.xml><?xml version="1.0" encoding="utf-8"?>
 <p:sld xmlns:a="http://schemas.openxmlformats.org/drawingml/2006/main" xmlns:r="http://schemas.openxmlformats.org/officeDocument/2006/relationships" xmlns:p="http://schemas.openxmlformats.org/presentationml/2006/main">
   <p:cSld>
     <p:bg>
@@ -11144,12 +11289,12 @@
           <a:p>
             <a:pPr algn="r"/>
             <a:r>
-              <a:rPr lang="en-US" sz="4000" dirty="0">
+              <a:rPr lang="en-US" sz="4000">
                 <a:solidFill>
                   <a:srgbClr val="FFFFFF"/>
                 </a:solidFill>
               </a:rPr>
-              <a:t>Results</a:t>
+              <a:t>Methods</a:t>
             </a:r>
           </a:p>
         </p:txBody>
@@ -11172,72 +11317,53 @@
         </p:nvSpPr>
         <p:spPr>
           <a:xfrm>
-            <a:off x="4696658" y="1064150"/>
-            <a:ext cx="6915019" cy="4542856"/>
+            <a:off x="4810259" y="649480"/>
+            <a:ext cx="6555347" cy="5546047"/>
           </a:xfrm>
         </p:spPr>
         <p:txBody>
           <a:bodyPr anchor="ctr">
-            <a:normAutofit fontScale="62500" lnSpcReduction="20000"/>
+            <a:normAutofit/>
           </a:bodyPr>
           <a:lstStyle/>
           <a:p>
-            <a:pPr marL="0" indent="0">
-              <a:buNone/>
-            </a:pPr>
-            <a:endParaRPr lang="en-US" sz="3200" dirty="0"/>
-          </a:p>
-          <a:p>
-            <a:pPr marL="0" indent="0">
-              <a:buNone/>
-            </a:pPr>
-            <a:endParaRPr lang="en-US" sz="3200" dirty="0"/>
-          </a:p>
-          <a:p>
             <a:r>
-              <a:rPr lang="en-US" sz="4800" dirty="0"/>
-              <a:t>Looking at Odds ratio data:</a:t>
+              <a:rPr lang="en-US" sz="2000" dirty="0"/>
+              <a:t>Identify variables with statistical significance</a:t>
             </a:r>
           </a:p>
           <a:p>
             <a:pPr lvl="1"/>
             <a:r>
-              <a:rPr lang="en-US" sz="4400" dirty="0"/>
-              <a:t>International Plan, has an odds ratio greater than one. They are 7 times more likely to leave.</a:t>
+              <a:rPr lang="en-US" sz="1600" dirty="0"/>
+              <a:t>Non-Necessary variables were removed.</a:t>
             </a:r>
-          </a:p>
-          <a:p>
-            <a:pPr lvl="1"/>
+            <a:endParaRPr lang="en-US" sz="2000" dirty="0"/>
+          </a:p>
+          <a:p>
             <a:r>
-              <a:rPr lang="en-US" sz="4800" dirty="0"/>
-              <a:t>Also customers who have made customer service calls are 55% more likely to leave.</a:t>
+              <a:rPr lang="en-US" sz="2000" dirty="0"/>
+              <a:t>Calculated outcome occurrence via odds ratio</a:t>
             </a:r>
           </a:p>
           <a:p>
-            <a:pPr lvl="1"/>
             <a:r>
-              <a:rPr lang="en-US" sz="4800" dirty="0"/>
-              <a:t>Customers who make international calls are 8% less likely to leave, and customers who have a voicemail plan are 84% less likely to leave</a:t>
+              <a:rPr lang="en-US" sz="2000" dirty="0"/>
+              <a:t>Split into Train and Test set</a:t>
             </a:r>
           </a:p>
           <a:p>
-            <a:endParaRPr lang="en-US" sz="2000" dirty="0"/>
-          </a:p>
-          <a:p>
-            <a:endParaRPr lang="en-US" sz="2000" dirty="0"/>
-          </a:p>
-          <a:p>
-            <a:pPr marL="0" indent="0">
-              <a:buNone/>
-            </a:pPr>
-            <a:endParaRPr lang="en-US" sz="2000" dirty="0"/>
+            <a:r>
+              <a:rPr lang="en-US" sz="2000" dirty="0"/>
+              <a:t>Fixing Class Imbalance</a:t>
+            </a:r>
           </a:p>
         </p:txBody>
       </p:sp>
     </p:spTree>
     <p:extLst>
       <p:ext uri="{BB962C8B-B14F-4D97-AF65-F5344CB8AC3E}">
-        <p14:creationId xmlns:p14="http://schemas.microsoft.com/office/powerpoint/2010/main" val="2328695433"/>
+        <p14:creationId xmlns:p14="http://schemas.microsoft.com/office/powerpoint/2010/main" val="1707708481"/>
       </p:ext>
     </p:extLst>
   </p:cSld>
@@ -11247,7 +11373,7 @@
 </p:sld>
 </file>
 
-<file path=ppt/slides/slide8.xml><?xml version="1.0" encoding="utf-8"?>
+<file path=ppt/slides/slide7.xml><?xml version="1.0" encoding="utf-8"?>
 <p:sld xmlns:a="http://schemas.openxmlformats.org/drawingml/2006/main" xmlns:r="http://schemas.openxmlformats.org/officeDocument/2006/relationships" xmlns:p="http://schemas.openxmlformats.org/presentationml/2006/main">
   <p:cSld>
     <p:bg>
@@ -11929,8 +12055,20 @@
                   <a:srgbClr val="FFFFFF"/>
                 </a:solidFill>
               </a:rPr>
-              <a:t>Results</a:t>
+              <a:t>Methods</a:t>
             </a:r>
+            <a:br>
+              <a:rPr lang="en-US" sz="4000" dirty="0">
+                <a:solidFill>
+                  <a:srgbClr val="FFFFFF"/>
+                </a:solidFill>
+              </a:rPr>
+            </a:br>
+            <a:endParaRPr lang="en-US" sz="4000" dirty="0">
+              <a:solidFill>
+                <a:srgbClr val="FFFFFF"/>
+              </a:solidFill>
+            </a:endParaRPr>
           </a:p>
         </p:txBody>
       </p:sp>
@@ -11952,114 +12090,62 @@
         </p:nvSpPr>
         <p:spPr>
           <a:xfrm>
-            <a:off x="4696658" y="1064150"/>
-            <a:ext cx="6915019" cy="4542856"/>
+            <a:off x="4810259" y="649480"/>
+            <a:ext cx="6555347" cy="5546047"/>
           </a:xfrm>
         </p:spPr>
         <p:txBody>
           <a:bodyPr anchor="ctr">
-            <a:normAutofit fontScale="62500" lnSpcReduction="20000"/>
+            <a:normAutofit/>
           </a:bodyPr>
           <a:lstStyle/>
           <a:p>
-            <a:pPr marL="0" indent="0">
-              <a:buNone/>
-            </a:pPr>
-            <a:endParaRPr lang="en-US" sz="3200" dirty="0"/>
-          </a:p>
-          <a:p>
-            <a:pPr marL="0" indent="0">
-              <a:buNone/>
-            </a:pPr>
             <a:r>
-              <a:rPr lang="en-US" sz="3200" dirty="0"/>
-              <a:t>For Logistic Regression, the model had an accuracy score of 0.67,  weighted low recall and high weighted precision</a:t>
+              <a:rPr lang="en-US" sz="2000" dirty="0"/>
+              <a:t>Developed several models to evaluate performance</a:t>
             </a:r>
           </a:p>
           <a:p>
-            <a:pPr marL="0" indent="0">
-              <a:buNone/>
-            </a:pPr>
-            <a:endParaRPr lang="en-US" sz="3200" dirty="0"/>
-          </a:p>
-          <a:p>
-            <a:pPr marL="0" indent="0">
-              <a:buNone/>
-            </a:pPr>
+            <a:pPr lvl="1"/>
             <a:r>
-              <a:rPr lang="en-US" sz="3200" dirty="0"/>
-              <a:t>For KNN, the model had an accuracy score of 0.867</a:t>
+              <a:rPr lang="en-US" sz="1600" dirty="0"/>
+              <a:t>Precision – correct predictions vs total predictions</a:t>
             </a:r>
           </a:p>
           <a:p>
-            <a:pPr marL="0" indent="0">
-              <a:buNone/>
-            </a:pPr>
-            <a:endParaRPr lang="en-US" sz="3200" dirty="0"/>
-          </a:p>
-          <a:p>
-            <a:pPr marL="0" indent="0">
-              <a:buNone/>
-            </a:pPr>
+            <a:pPr lvl="1"/>
             <a:r>
-              <a:rPr lang="en-US" sz="3200" dirty="0"/>
-              <a:t>For Decision Trees, the model had an accuracy score of 0.868</a:t>
+              <a:rPr lang="en-US" sz="1600" dirty="0"/>
+              <a:t>Recall – Correct predictions vs actual positive predictions</a:t>
             </a:r>
           </a:p>
           <a:p>
-            <a:pPr marL="0" indent="0">
-              <a:buNone/>
-            </a:pPr>
-            <a:endParaRPr lang="en-US" sz="3200" dirty="0"/>
-          </a:p>
-          <a:p>
-            <a:pPr marL="0" indent="0">
-              <a:buNone/>
-            </a:pPr>
+            <a:pPr lvl="1"/>
             <a:r>
-              <a:rPr lang="en-US" sz="3200" dirty="0"/>
-              <a:t>For Random Forests, the model had an accuracy score of 0.867</a:t>
+              <a:rPr lang="en-US" sz="1600" dirty="0"/>
+              <a:t>F1 score – harmonic mean of Precision and Recall</a:t>
             </a:r>
           </a:p>
           <a:p>
-            <a:pPr marL="0" indent="0">
-              <a:buNone/>
-            </a:pPr>
-            <a:endParaRPr lang="en-US" sz="3200" dirty="0"/>
-          </a:p>
-          <a:p>
-            <a:pPr marL="0" indent="0">
-              <a:buNone/>
-            </a:pPr>
+            <a:pPr lvl="1"/>
             <a:r>
-              <a:rPr lang="en-US" sz="3200" dirty="0"/>
-              <a:t>KNN, Random Forests and Decision Trees all </a:t>
+              <a:rPr lang="en-US" sz="1600" dirty="0"/>
+              <a:t>Accuracy</a:t>
             </a:r>
+            <a:endParaRPr lang="en-US" sz="2000" dirty="0"/>
+          </a:p>
+          <a:p>
             <a:r>
-              <a:rPr lang="en-US" sz="3200"/>
-              <a:t>had high weighted precision </a:t>
+              <a:rPr lang="en-US" sz="2000" dirty="0"/>
+              <a:t>Plotted Feature importance to understand weight of each feature</a:t>
             </a:r>
-            <a:r>
-              <a:rPr lang="en-US" sz="3200" dirty="0"/>
-              <a:t>and high weighted recall</a:t>
-            </a:r>
-            <a:br>
-              <a:rPr lang="en-US" sz="3200" dirty="0"/>
-            </a:br>
-            <a:endParaRPr lang="en-US" sz="2000" dirty="0"/>
-          </a:p>
-          <a:p>
-            <a:pPr marL="0" indent="0">
-              <a:buNone/>
-            </a:pPr>
-            <a:endParaRPr lang="en-US" sz="2000" dirty="0"/>
           </a:p>
         </p:txBody>
       </p:sp>
     </p:spTree>
     <p:extLst>
       <p:ext uri="{BB962C8B-B14F-4D97-AF65-F5344CB8AC3E}">
-        <p14:creationId xmlns:p14="http://schemas.microsoft.com/office/powerpoint/2010/main" val="1556871693"/>
+        <p14:creationId xmlns:p14="http://schemas.microsoft.com/office/powerpoint/2010/main" val="822975502"/>
       </p:ext>
     </p:extLst>
   </p:cSld>
@@ -12069,7 +12155,7 @@
 </p:sld>
 </file>
 
-<file path=ppt/slides/slide9.xml><?xml version="1.0" encoding="utf-8"?>
+<file path=ppt/slides/slide8.xml><?xml version="1.0" encoding="utf-8"?>
 <p:sld xmlns:a="http://schemas.openxmlformats.org/drawingml/2006/main" xmlns:r="http://schemas.openxmlformats.org/officeDocument/2006/relationships" xmlns:p="http://schemas.openxmlformats.org/presentationml/2006/main">
   <p:cSld>
     <p:bg>
@@ -12774,15 +12860,69 @@
         </p:nvSpPr>
         <p:spPr>
           <a:xfrm>
-            <a:off x="4810259" y="649480"/>
-            <a:ext cx="6915019" cy="5546047"/>
+            <a:off x="4696658" y="1064150"/>
+            <a:ext cx="6915019" cy="4542856"/>
           </a:xfrm>
         </p:spPr>
         <p:txBody>
           <a:bodyPr anchor="ctr">
-            <a:normAutofit/>
+            <a:normAutofit fontScale="70000" lnSpcReduction="20000"/>
           </a:bodyPr>
           <a:lstStyle/>
+          <a:p>
+            <a:pPr marL="0" indent="0">
+              <a:buNone/>
+            </a:pPr>
+            <a:endParaRPr lang="en-US" sz="3200" dirty="0"/>
+          </a:p>
+          <a:p>
+            <a:pPr marL="0" indent="0">
+              <a:buNone/>
+            </a:pPr>
+            <a:endParaRPr lang="en-US" sz="3200" dirty="0"/>
+          </a:p>
+          <a:p>
+            <a:r>
+              <a:rPr lang="en-US" sz="4200" dirty="0"/>
+              <a:t>Looking at Odds ratio data:</a:t>
+            </a:r>
+          </a:p>
+          <a:p>
+            <a:endParaRPr lang="en-US" sz="4200" dirty="0"/>
+          </a:p>
+          <a:p>
+            <a:pPr lvl="1"/>
+            <a:r>
+              <a:rPr lang="en-US" sz="4200" dirty="0"/>
+              <a:t>international plan customers 7 times more likely to leave.</a:t>
+            </a:r>
+          </a:p>
+          <a:p>
+            <a:pPr marL="457200" lvl="1" indent="0">
+              <a:buNone/>
+            </a:pPr>
+            <a:endParaRPr lang="en-US" sz="4200" dirty="0"/>
+          </a:p>
+          <a:p>
+            <a:pPr lvl="1"/>
+            <a:r>
+              <a:rPr lang="en-US" sz="4200" dirty="0"/>
+              <a:t>customer service callers are 55% more likely to leave.</a:t>
+            </a:r>
+          </a:p>
+          <a:p>
+            <a:pPr marL="457200" lvl="1" indent="0">
+              <a:buNone/>
+            </a:pPr>
+            <a:endParaRPr lang="en-US" sz="4200" dirty="0"/>
+          </a:p>
+          <a:p>
+            <a:pPr lvl="1"/>
+            <a:r>
+              <a:rPr lang="en-US" sz="4200" dirty="0"/>
+              <a:t>Customers with voicemail plan 84% less likely to leave</a:t>
+            </a:r>
+          </a:p>
           <a:p>
             <a:endParaRPr lang="en-US" sz="2000" dirty="0"/>
           </a:p>
@@ -12797,110 +12937,809 @@
           </a:p>
         </p:txBody>
       </p:sp>
-      <p:sp>
-        <p:nvSpPr>
-          <p:cNvPr id="4" name="TextBox 3">
-            <a:extLst>
-              <a:ext uri="{FF2B5EF4-FFF2-40B4-BE49-F238E27FC236}">
-                <a16:creationId xmlns:a16="http://schemas.microsoft.com/office/drawing/2014/main" id="{D4B33F99-C15B-8467-DA0C-3400486BB3B9}"/>
-              </a:ext>
-            </a:extLst>
-          </p:cNvPr>
-          <p:cNvSpPr txBox="1"/>
-          <p:nvPr/>
+    </p:spTree>
+    <p:extLst>
+      <p:ext uri="{BB962C8B-B14F-4D97-AF65-F5344CB8AC3E}">
+        <p14:creationId xmlns:p14="http://schemas.microsoft.com/office/powerpoint/2010/main" val="2328695433"/>
+      </p:ext>
+    </p:extLst>
+  </p:cSld>
+  <p:clrMapOvr>
+    <a:masterClrMapping/>
+  </p:clrMapOvr>
+</p:sld>
+</file>
+
+<file path=ppt/slides/slide9.xml><?xml version="1.0" encoding="utf-8"?>
+<p:sld xmlns:a="http://schemas.openxmlformats.org/drawingml/2006/main" xmlns:r="http://schemas.openxmlformats.org/officeDocument/2006/relationships" xmlns:p="http://schemas.openxmlformats.org/presentationml/2006/main">
+  <p:cSld>
+    <p:bg>
+      <p:bgPr>
+        <a:solidFill>
+          <a:schemeClr val="bg1"/>
+        </a:solidFill>
+        <a:effectLst/>
+      </p:bgPr>
+    </p:bg>
+    <p:spTree>
+      <p:nvGrpSpPr>
+        <p:cNvPr id="1" name=""/>
+        <p:cNvGrpSpPr/>
+        <p:nvPr/>
+      </p:nvGrpSpPr>
+      <p:grpSpPr>
+        <a:xfrm>
+          <a:off x="0" y="0"/>
+          <a:ext cx="0" cy="0"/>
+          <a:chOff x="0" y="0"/>
+          <a:chExt cx="0" cy="0"/>
+        </a:xfrm>
+      </p:grpSpPr>
+      <p:sp useBgFill="1">
+        <p:nvSpPr>
+          <p:cNvPr id="8" name="Rectangle 7">
+            <a:extLst>
+              <a:ext uri="{FF2B5EF4-FFF2-40B4-BE49-F238E27FC236}">
+                <a16:creationId xmlns:a16="http://schemas.microsoft.com/office/drawing/2014/main" id="{09588DA8-065E-4F6F-8EFD-43104AB2E0CF}"/>
+              </a:ext>
+              <a:ext uri="{C183D7F6-B498-43B3-948B-1728B52AA6E4}">
+                <adec:decorative xmlns:adec="http://schemas.microsoft.com/office/drawing/2017/decorative" val="1"/>
+              </a:ext>
+            </a:extLst>
+          </p:cNvPr>
+          <p:cNvSpPr>
+            <a:spLocks noGrp="1" noRot="1" noChangeAspect="1" noMove="1" noResize="1" noEditPoints="1" noAdjustHandles="1" noChangeArrowheads="1" noChangeShapeType="1" noTextEdit="1"/>
+          </p:cNvSpPr>
+          <p:nvPr>
+            <p:extLst>
+              <p:ext uri="{386F3935-93C4-4BCD-93E2-E3B085C9AB24}">
+                <p16:designElem xmlns:p16="http://schemas.microsoft.com/office/powerpoint/2015/main" val="1"/>
+              </p:ext>
+            </p:extLst>
+          </p:nvPr>
         </p:nvSpPr>
         <p:spPr>
           <a:xfrm>
-            <a:off x="4833328" y="5065037"/>
-            <a:ext cx="6286408" cy="1200329"/>
+            <a:off x="0" y="0"/>
+            <a:ext cx="12192000" cy="6858000"/>
           </a:xfrm>
           <a:prstGeom prst="rect">
             <a:avLst/>
           </a:prstGeom>
-          <a:noFill/>
+          <a:ln w="12700" cap="flat" cmpd="sng" algn="ctr">
+            <a:noFill/>
+            <a:prstDash val="solid"/>
+            <a:miter lim="800000"/>
+          </a:ln>
+          <a:effectLst/>
+          <a:extLst>
+            <a:ext uri="{91240B29-F687-4F45-9708-019B960494DF}">
+              <a14:hiddenLine xmlns:a14="http://schemas.microsoft.com/office/drawing/2010/main" w="12700" cap="flat" cmpd="sng" algn="ctr">
+                <a:solidFill>
+                  <a:schemeClr val="accent1">
+                    <a:shade val="50000"/>
+                  </a:schemeClr>
+                </a:solidFill>
+                <a:prstDash val="solid"/>
+                <a:miter lim="800000"/>
+              </a14:hiddenLine>
+            </a:ext>
+          </a:extLst>
         </p:spPr>
-        <p:txBody>
-          <a:bodyPr wrap="square" rtlCol="0">
-            <a:spAutoFit/>
-          </a:bodyPr>
+        <p:style>
+          <a:lnRef idx="2">
+            <a:schemeClr val="accent1">
+              <a:shade val="50000"/>
+            </a:schemeClr>
+          </a:lnRef>
+          <a:fillRef idx="1">
+            <a:schemeClr val="accent1"/>
+          </a:fillRef>
+          <a:effectRef idx="0">
+            <a:schemeClr val="accent1"/>
+          </a:effectRef>
+          <a:fontRef idx="minor">
+            <a:schemeClr val="lt1"/>
+          </a:fontRef>
+        </p:style>
+        <p:txBody>
+          <a:bodyPr rtlCol="0" anchor="ctr"/>
           <a:lstStyle/>
           <a:p>
-            <a:r>
-              <a:rPr lang="en-US" dirty="0"/>
-              <a:t>Plotting feature importance, using Decision Trees. customer services calls and then total international calls were top two important features, when determining customer turnover/customer retention</a:t>
-            </a:r>
-          </a:p>
-        </p:txBody>
-      </p:sp>
-      <p:sp>
-        <p:nvSpPr>
-          <p:cNvPr id="5" name="TextBox 4">
-            <a:extLst>
-              <a:ext uri="{FF2B5EF4-FFF2-40B4-BE49-F238E27FC236}">
-                <a16:creationId xmlns:a16="http://schemas.microsoft.com/office/drawing/2014/main" id="{8F52DEC7-7B68-0BF8-289A-FBAA13696E1E}"/>
-              </a:ext>
-            </a:extLst>
-          </p:cNvPr>
-          <p:cNvSpPr txBox="1"/>
-          <p:nvPr/>
+            <a:pPr algn="ctr"/>
+            <a:endParaRPr lang="en-US"/>
+          </a:p>
+        </p:txBody>
+      </p:sp>
+      <p:sp useBgFill="1">
+        <p:nvSpPr>
+          <p:cNvPr id="10" name="Rectangle 9">
+            <a:extLst>
+              <a:ext uri="{FF2B5EF4-FFF2-40B4-BE49-F238E27FC236}">
+                <a16:creationId xmlns:a16="http://schemas.microsoft.com/office/drawing/2014/main" id="{C4285719-470E-454C-AF62-8323075F1F5B}"/>
+              </a:ext>
+              <a:ext uri="{C183D7F6-B498-43B3-948B-1728B52AA6E4}">
+                <adec:decorative xmlns:adec="http://schemas.microsoft.com/office/drawing/2017/decorative" val="1"/>
+              </a:ext>
+            </a:extLst>
+          </p:cNvPr>
+          <p:cNvSpPr>
+            <a:spLocks noGrp="1" noRot="1" noChangeAspect="1" noMove="1" noResize="1" noEditPoints="1" noAdjustHandles="1" noChangeArrowheads="1" noChangeShapeType="1" noTextEdit="1"/>
+          </p:cNvSpPr>
+          <p:nvPr>
+            <p:extLst>
+              <p:ext uri="{386F3935-93C4-4BCD-93E2-E3B085C9AB24}">
+                <p16:designElem xmlns:p16="http://schemas.microsoft.com/office/powerpoint/2015/main" val="1"/>
+              </p:ext>
+            </p:extLst>
+          </p:nvPr>
         </p:nvSpPr>
         <p:spPr>
           <a:xfrm>
-            <a:off x="4905054" y="256475"/>
-            <a:ext cx="6351525" cy="369332"/>
+            <a:off x="0" y="0"/>
+            <a:ext cx="12188952" cy="6858000"/>
           </a:xfrm>
           <a:prstGeom prst="rect">
             <a:avLst/>
           </a:prstGeom>
-          <a:noFill/>
+          <a:ln w="12700" cap="flat" cmpd="sng" algn="ctr">
+            <a:noFill/>
+            <a:prstDash val="solid"/>
+            <a:miter lim="800000"/>
+          </a:ln>
+          <a:effectLst/>
+          <a:extLst>
+            <a:ext uri="{91240B29-F687-4F45-9708-019B960494DF}">
+              <a14:hiddenLine xmlns:a14="http://schemas.microsoft.com/office/drawing/2010/main" w="12700" cap="flat" cmpd="sng" algn="ctr">
+                <a:solidFill>
+                  <a:schemeClr val="accent1">
+                    <a:shade val="50000"/>
+                  </a:schemeClr>
+                </a:solidFill>
+                <a:prstDash val="solid"/>
+                <a:miter lim="800000"/>
+              </a14:hiddenLine>
+            </a:ext>
+          </a:extLst>
         </p:spPr>
-        <p:txBody>
-          <a:bodyPr wrap="square" rtlCol="0">
-            <a:spAutoFit/>
-          </a:bodyPr>
+        <p:style>
+          <a:lnRef idx="2">
+            <a:schemeClr val="accent1">
+              <a:shade val="50000"/>
+            </a:schemeClr>
+          </a:lnRef>
+          <a:fillRef idx="1">
+            <a:schemeClr val="accent1"/>
+          </a:fillRef>
+          <a:effectRef idx="0">
+            <a:schemeClr val="accent1"/>
+          </a:effectRef>
+          <a:fontRef idx="minor">
+            <a:schemeClr val="lt1"/>
+          </a:fontRef>
+        </p:style>
+        <p:txBody>
+          <a:bodyPr rtlCol="0" anchor="ctr"/>
           <a:lstStyle/>
           <a:p>
-            <a:r>
-              <a:rPr lang="en-US" dirty="0"/>
-              <a:t>Decision Trees Feature Importance results</a:t>
-            </a:r>
-          </a:p>
-        </p:txBody>
-      </p:sp>
-      <p:pic>
-        <p:nvPicPr>
-          <p:cNvPr id="6" name="Picture 5">
-            <a:extLst>
-              <a:ext uri="{FF2B5EF4-FFF2-40B4-BE49-F238E27FC236}">
-                <a16:creationId xmlns:a16="http://schemas.microsoft.com/office/drawing/2014/main" id="{7ADB01BF-1B9C-F035-6A9F-3EA880A8E59D}"/>
-              </a:ext>
-            </a:extLst>
-          </p:cNvPr>
-          <p:cNvPicPr>
-            <a:picLocks noChangeAspect="1"/>
-          </p:cNvPicPr>
-          <p:nvPr/>
-        </p:nvPicPr>
-        <p:blipFill>
-          <a:blip r:embed="rId2"/>
-          <a:stretch>
-            <a:fillRect/>
-          </a:stretch>
-        </p:blipFill>
+            <a:pPr algn="ctr"/>
+            <a:endParaRPr lang="en-US"/>
+          </a:p>
+        </p:txBody>
+      </p:sp>
+      <p:sp>
+        <p:nvSpPr>
+          <p:cNvPr id="12" name="Rectangle 11">
+            <a:extLst>
+              <a:ext uri="{FF2B5EF4-FFF2-40B4-BE49-F238E27FC236}">
+                <a16:creationId xmlns:a16="http://schemas.microsoft.com/office/drawing/2014/main" id="{CD9FE4EF-C4D8-49A0-B2FF-81D8DB7D8A24}"/>
+              </a:ext>
+              <a:ext uri="{C183D7F6-B498-43B3-948B-1728B52AA6E4}">
+                <adec:decorative xmlns:adec="http://schemas.microsoft.com/office/drawing/2017/decorative" val="1"/>
+              </a:ext>
+            </a:extLst>
+          </p:cNvPr>
+          <p:cNvSpPr>
+            <a:spLocks noGrp="1" noRot="1" noChangeAspect="1" noMove="1" noResize="1" noEditPoints="1" noAdjustHandles="1" noChangeArrowheads="1" noChangeShapeType="1" noTextEdit="1"/>
+          </p:cNvSpPr>
+          <p:nvPr>
+            <p:extLst>
+              <p:ext uri="{386F3935-93C4-4BCD-93E2-E3B085C9AB24}">
+                <p16:designElem xmlns:p16="http://schemas.microsoft.com/office/powerpoint/2015/main" val="1"/>
+              </p:ext>
+            </p:extLst>
+          </p:nvPr>
+        </p:nvSpPr>
         <p:spPr>
-          <a:xfrm>
-            <a:off x="5041907" y="804531"/>
-            <a:ext cx="5453111" cy="3873795"/>
+          <a:xfrm rot="5400000" flipH="1">
+            <a:off x="-1410084" y="1410082"/>
+            <a:ext cx="6858000" cy="4037836"/>
           </a:xfrm>
           <a:prstGeom prst="rect">
             <a:avLst/>
           </a:prstGeom>
+          <a:gradFill>
+            <a:gsLst>
+              <a:gs pos="8000">
+                <a:srgbClr val="000000"/>
+              </a:gs>
+              <a:gs pos="100000">
+                <a:schemeClr val="accent1">
+                  <a:lumMod val="75000"/>
+                </a:schemeClr>
+              </a:gs>
+            </a:gsLst>
+            <a:lin ang="3000000" scaled="0"/>
+          </a:gradFill>
+          <a:ln>
+            <a:noFill/>
+          </a:ln>
         </p:spPr>
-      </p:pic>
+        <p:style>
+          <a:lnRef idx="2">
+            <a:schemeClr val="accent1">
+              <a:shade val="50000"/>
+            </a:schemeClr>
+          </a:lnRef>
+          <a:fillRef idx="1">
+            <a:schemeClr val="accent1"/>
+          </a:fillRef>
+          <a:effectRef idx="0">
+            <a:schemeClr val="accent1"/>
+          </a:effectRef>
+          <a:fontRef idx="minor">
+            <a:schemeClr val="lt1"/>
+          </a:fontRef>
+        </p:style>
+        <p:txBody>
+          <a:bodyPr rtlCol="0" anchor="ctr"/>
+          <a:lstStyle/>
+          <a:p>
+            <a:pPr algn="ctr"/>
+            <a:endParaRPr lang="en-US"/>
+          </a:p>
+        </p:txBody>
+      </p:sp>
+      <p:sp>
+        <p:nvSpPr>
+          <p:cNvPr id="14" name="Rectangle 13">
+            <a:extLst>
+              <a:ext uri="{FF2B5EF4-FFF2-40B4-BE49-F238E27FC236}">
+                <a16:creationId xmlns:a16="http://schemas.microsoft.com/office/drawing/2014/main" id="{4300840D-0A0B-4512-BACA-B439D5B9C57C}"/>
+              </a:ext>
+              <a:ext uri="{C183D7F6-B498-43B3-948B-1728B52AA6E4}">
+                <adec:decorative xmlns:adec="http://schemas.microsoft.com/office/drawing/2017/decorative" val="1"/>
+              </a:ext>
+            </a:extLst>
+          </p:cNvPr>
+          <p:cNvSpPr>
+            <a:spLocks noGrp="1" noRot="1" noChangeAspect="1" noMove="1" noResize="1" noEditPoints="1" noAdjustHandles="1" noChangeArrowheads="1" noChangeShapeType="1" noTextEdit="1"/>
+          </p:cNvSpPr>
+          <p:nvPr>
+            <p:extLst>
+              <p:ext uri="{386F3935-93C4-4BCD-93E2-E3B085C9AB24}">
+                <p16:designElem xmlns:p16="http://schemas.microsoft.com/office/powerpoint/2015/main" val="1"/>
+              </p:ext>
+            </p:extLst>
+          </p:nvPr>
+        </p:nvSpPr>
+        <p:spPr>
+          <a:xfrm rot="5400000" flipH="1">
+            <a:off x="-1410085" y="1420219"/>
+            <a:ext cx="6857999" cy="4037839"/>
+          </a:xfrm>
+          <a:prstGeom prst="rect">
+            <a:avLst/>
+          </a:prstGeom>
+          <a:gradFill>
+            <a:gsLst>
+              <a:gs pos="0">
+                <a:srgbClr val="000000">
+                  <a:alpha val="0"/>
+                </a:srgbClr>
+              </a:gs>
+              <a:gs pos="99000">
+                <a:schemeClr val="accent1">
+                  <a:alpha val="46000"/>
+                </a:schemeClr>
+              </a:gs>
+            </a:gsLst>
+            <a:lin ang="1800000" scaled="0"/>
+          </a:gradFill>
+          <a:ln>
+            <a:noFill/>
+          </a:ln>
+        </p:spPr>
+        <p:style>
+          <a:lnRef idx="2">
+            <a:schemeClr val="accent1">
+              <a:shade val="50000"/>
+            </a:schemeClr>
+          </a:lnRef>
+          <a:fillRef idx="1">
+            <a:schemeClr val="accent1"/>
+          </a:fillRef>
+          <a:effectRef idx="0">
+            <a:schemeClr val="accent1"/>
+          </a:effectRef>
+          <a:fontRef idx="minor">
+            <a:schemeClr val="lt1"/>
+          </a:fontRef>
+        </p:style>
+        <p:txBody>
+          <a:bodyPr rtlCol="0" anchor="ctr"/>
+          <a:lstStyle/>
+          <a:p>
+            <a:pPr algn="ctr"/>
+            <a:endParaRPr lang="en-US"/>
+          </a:p>
+        </p:txBody>
+      </p:sp>
+      <p:sp>
+        <p:nvSpPr>
+          <p:cNvPr id="16" name="Rectangle 15">
+            <a:extLst>
+              <a:ext uri="{FF2B5EF4-FFF2-40B4-BE49-F238E27FC236}">
+                <a16:creationId xmlns:a16="http://schemas.microsoft.com/office/drawing/2014/main" id="{D2B78728-A580-49A7-84F9-6EF6F583ADE0}"/>
+              </a:ext>
+              <a:ext uri="{C183D7F6-B498-43B3-948B-1728B52AA6E4}">
+                <adec:decorative xmlns:adec="http://schemas.microsoft.com/office/drawing/2017/decorative" val="1"/>
+              </a:ext>
+            </a:extLst>
+          </p:cNvPr>
+          <p:cNvSpPr>
+            <a:spLocks noGrp="1" noRot="1" noChangeAspect="1" noMove="1" noResize="1" noEditPoints="1" noAdjustHandles="1" noChangeArrowheads="1" noChangeShapeType="1" noTextEdit="1"/>
+          </p:cNvSpPr>
+          <p:nvPr>
+            <p:extLst>
+              <p:ext uri="{386F3935-93C4-4BCD-93E2-E3B085C9AB24}">
+                <p16:designElem xmlns:p16="http://schemas.microsoft.com/office/powerpoint/2015/main" val="1"/>
+              </p:ext>
+            </p:extLst>
+          </p:nvPr>
+        </p:nvSpPr>
+        <p:spPr>
+          <a:xfrm rot="5400000" flipH="1">
+            <a:off x="767923" y="3588085"/>
+            <a:ext cx="2501979" cy="4037841"/>
+          </a:xfrm>
+          <a:prstGeom prst="rect">
+            <a:avLst/>
+          </a:prstGeom>
+          <a:gradFill>
+            <a:gsLst>
+              <a:gs pos="2000">
+                <a:schemeClr val="accent1">
+                  <a:alpha val="29000"/>
+                </a:schemeClr>
+              </a:gs>
+              <a:gs pos="100000">
+                <a:srgbClr val="000000">
+                  <a:alpha val="30000"/>
+                </a:srgbClr>
+              </a:gs>
+            </a:gsLst>
+            <a:lin ang="7800000" scaled="0"/>
+          </a:gradFill>
+          <a:ln>
+            <a:noFill/>
+          </a:ln>
+        </p:spPr>
+        <p:style>
+          <a:lnRef idx="2">
+            <a:schemeClr val="accent1">
+              <a:shade val="50000"/>
+            </a:schemeClr>
+          </a:lnRef>
+          <a:fillRef idx="1">
+            <a:schemeClr val="accent1"/>
+          </a:fillRef>
+          <a:effectRef idx="0">
+            <a:schemeClr val="accent1"/>
+          </a:effectRef>
+          <a:fontRef idx="minor">
+            <a:schemeClr val="lt1"/>
+          </a:fontRef>
+        </p:style>
+        <p:txBody>
+          <a:bodyPr rtlCol="0" anchor="ctr"/>
+          <a:lstStyle/>
+          <a:p>
+            <a:pPr algn="ctr"/>
+            <a:endParaRPr lang="en-US" dirty="0"/>
+          </a:p>
+        </p:txBody>
+      </p:sp>
+      <p:sp>
+        <p:nvSpPr>
+          <p:cNvPr id="18" name="Freeform: Shape 17">
+            <a:extLst>
+              <a:ext uri="{FF2B5EF4-FFF2-40B4-BE49-F238E27FC236}">
+                <a16:creationId xmlns:a16="http://schemas.microsoft.com/office/drawing/2014/main" id="{38FAA1A1-D861-433F-88FA-1E9D6FD31D11}"/>
+              </a:ext>
+              <a:ext uri="{C183D7F6-B498-43B3-948B-1728B52AA6E4}">
+                <adec:decorative xmlns:adec="http://schemas.microsoft.com/office/drawing/2017/decorative" val="1"/>
+              </a:ext>
+            </a:extLst>
+          </p:cNvPr>
+          <p:cNvSpPr>
+            <a:spLocks noGrp="1" noRot="1" noChangeAspect="1" noMove="1" noResize="1" noEditPoints="1" noAdjustHandles="1" noChangeArrowheads="1" noChangeShapeType="1" noTextEdit="1"/>
+          </p:cNvSpPr>
+          <p:nvPr>
+            <p:extLst>
+              <p:ext uri="{386F3935-93C4-4BCD-93E2-E3B085C9AB24}">
+                <p16:designElem xmlns:p16="http://schemas.microsoft.com/office/powerpoint/2015/main" val="1"/>
+              </p:ext>
+            </p:extLst>
+          </p:nvPr>
+        </p:nvSpPr>
+        <p:spPr>
+          <a:xfrm rot="20635413">
+            <a:off x="-501737" y="969718"/>
+            <a:ext cx="3900357" cy="4178958"/>
+          </a:xfrm>
+          <a:custGeom>
+            <a:avLst/>
+            <a:gdLst>
+              <a:gd name="connsiteX0" fmla="*/ 2432225 w 3900357"/>
+              <a:gd name="connsiteY0" fmla="*/ 93939 h 4178958"/>
+              <a:gd name="connsiteX1" fmla="*/ 3900357 w 3900357"/>
+              <a:gd name="connsiteY1" fmla="*/ 2089479 h 4178958"/>
+              <a:gd name="connsiteX2" fmla="*/ 1810878 w 3900357"/>
+              <a:gd name="connsiteY2" fmla="*/ 4178958 h 4178958"/>
+              <a:gd name="connsiteX3" fmla="*/ 78249 w 3900357"/>
+              <a:gd name="connsiteY3" fmla="*/ 3257727 h 4178958"/>
+              <a:gd name="connsiteX4" fmla="*/ 0 w 3900357"/>
+              <a:gd name="connsiteY4" fmla="*/ 3128923 h 4178958"/>
+              <a:gd name="connsiteX5" fmla="*/ 831324 w 3900357"/>
+              <a:gd name="connsiteY5" fmla="*/ 244281 h 4178958"/>
+              <a:gd name="connsiteX6" fmla="*/ 997559 w 3900357"/>
+              <a:gd name="connsiteY6" fmla="*/ 164202 h 4178958"/>
+              <a:gd name="connsiteX7" fmla="*/ 1810878 w 3900357"/>
+              <a:gd name="connsiteY7" fmla="*/ 0 h 4178958"/>
+              <a:gd name="connsiteX8" fmla="*/ 2432225 w 3900357"/>
+              <a:gd name="connsiteY8" fmla="*/ 93939 h 4178958"/>
+            </a:gdLst>
+            <a:ahLst/>
+            <a:cxnLst>
+              <a:cxn ang="0">
+                <a:pos x="connsiteX0" y="connsiteY0"/>
+              </a:cxn>
+              <a:cxn ang="0">
+                <a:pos x="connsiteX1" y="connsiteY1"/>
+              </a:cxn>
+              <a:cxn ang="0">
+                <a:pos x="connsiteX2" y="connsiteY2"/>
+              </a:cxn>
+              <a:cxn ang="0">
+                <a:pos x="connsiteX3" y="connsiteY3"/>
+              </a:cxn>
+              <a:cxn ang="0">
+                <a:pos x="connsiteX4" y="connsiteY4"/>
+              </a:cxn>
+              <a:cxn ang="0">
+                <a:pos x="connsiteX5" y="connsiteY5"/>
+              </a:cxn>
+              <a:cxn ang="0">
+                <a:pos x="connsiteX6" y="connsiteY6"/>
+              </a:cxn>
+              <a:cxn ang="0">
+                <a:pos x="connsiteX7" y="connsiteY7"/>
+              </a:cxn>
+              <a:cxn ang="0">
+                <a:pos x="connsiteX8" y="connsiteY8"/>
+              </a:cxn>
+            </a:cxnLst>
+            <a:rect l="l" t="t" r="r" b="b"/>
+            <a:pathLst>
+              <a:path w="3900357" h="4178958">
+                <a:moveTo>
+                  <a:pt x="2432225" y="93939"/>
+                </a:moveTo>
+                <a:cubicBezTo>
+                  <a:pt x="3282786" y="358491"/>
+                  <a:pt x="3900357" y="1151865"/>
+                  <a:pt x="3900357" y="2089479"/>
+                </a:cubicBezTo>
+                <a:cubicBezTo>
+                  <a:pt x="3900357" y="3243466"/>
+                  <a:pt x="2964865" y="4178958"/>
+                  <a:pt x="1810878" y="4178958"/>
+                </a:cubicBezTo>
+                <a:cubicBezTo>
+                  <a:pt x="1089636" y="4178958"/>
+                  <a:pt x="453744" y="3813531"/>
+                  <a:pt x="78249" y="3257727"/>
+                </a:cubicBezTo>
+                <a:lnTo>
+                  <a:pt x="0" y="3128923"/>
+                </a:lnTo>
+                <a:lnTo>
+                  <a:pt x="831324" y="244281"/>
+                </a:lnTo>
+                <a:lnTo>
+                  <a:pt x="997559" y="164202"/>
+                </a:lnTo>
+                <a:cubicBezTo>
+                  <a:pt x="1247540" y="58468"/>
+                  <a:pt x="1522381" y="0"/>
+                  <a:pt x="1810878" y="0"/>
+                </a:cubicBezTo>
+                <a:cubicBezTo>
+                  <a:pt x="2027251" y="0"/>
+                  <a:pt x="2235942" y="32888"/>
+                  <a:pt x="2432225" y="93939"/>
+                </a:cubicBezTo>
+                <a:close/>
+              </a:path>
+            </a:pathLst>
+          </a:custGeom>
+          <a:gradFill>
+            <a:gsLst>
+              <a:gs pos="29000">
+                <a:srgbClr val="000000">
+                  <a:alpha val="0"/>
+                </a:srgbClr>
+              </a:gs>
+              <a:gs pos="100000">
+                <a:schemeClr val="accent1">
+                  <a:alpha val="43000"/>
+                </a:schemeClr>
+              </a:gs>
+            </a:gsLst>
+            <a:lin ang="1800000" scaled="0"/>
+          </a:gradFill>
+          <a:ln>
+            <a:noFill/>
+          </a:ln>
+        </p:spPr>
+        <p:style>
+          <a:lnRef idx="2">
+            <a:schemeClr val="accent1">
+              <a:shade val="50000"/>
+            </a:schemeClr>
+          </a:lnRef>
+          <a:fillRef idx="1">
+            <a:schemeClr val="accent1"/>
+          </a:fillRef>
+          <a:effectRef idx="0">
+            <a:schemeClr val="accent1"/>
+          </a:effectRef>
+          <a:fontRef idx="minor">
+            <a:schemeClr val="lt1"/>
+          </a:fontRef>
+        </p:style>
+        <p:txBody>
+          <a:bodyPr wrap="square" rtlCol="0" anchor="ctr">
+            <a:noAutofit/>
+          </a:bodyPr>
+          <a:lstStyle/>
+          <a:p>
+            <a:pPr algn="ctr"/>
+            <a:endParaRPr lang="en-US" dirty="0"/>
+          </a:p>
+        </p:txBody>
+      </p:sp>
+      <p:sp>
+        <p:nvSpPr>
+          <p:cNvPr id="20" name="Rectangle 19">
+            <a:extLst>
+              <a:ext uri="{FF2B5EF4-FFF2-40B4-BE49-F238E27FC236}">
+                <a16:creationId xmlns:a16="http://schemas.microsoft.com/office/drawing/2014/main" id="{8D71EDA1-87BF-4D5D-AB79-F346FD19278A}"/>
+              </a:ext>
+              <a:ext uri="{C183D7F6-B498-43B3-948B-1728B52AA6E4}">
+                <adec:decorative xmlns:adec="http://schemas.microsoft.com/office/drawing/2017/decorative" val="1"/>
+              </a:ext>
+            </a:extLst>
+          </p:cNvPr>
+          <p:cNvSpPr>
+            <a:spLocks noGrp="1" noRot="1" noChangeAspect="1" noMove="1" noResize="1" noEditPoints="1" noAdjustHandles="1" noChangeArrowheads="1" noChangeShapeType="1" noTextEdit="1"/>
+          </p:cNvSpPr>
+          <p:nvPr>
+            <p:extLst>
+              <p:ext uri="{386F3935-93C4-4BCD-93E2-E3B085C9AB24}">
+                <p16:designElem xmlns:p16="http://schemas.microsoft.com/office/powerpoint/2015/main" val="1"/>
+              </p:ext>
+            </p:extLst>
+          </p:nvPr>
+        </p:nvSpPr>
+        <p:spPr>
+          <a:xfrm rot="5400000" flipH="1">
+            <a:off x="-1410093" y="1399943"/>
+            <a:ext cx="6858003" cy="4037835"/>
+          </a:xfrm>
+          <a:prstGeom prst="rect">
+            <a:avLst/>
+          </a:prstGeom>
+          <a:gradFill>
+            <a:gsLst>
+              <a:gs pos="0">
+                <a:srgbClr val="000000">
+                  <a:alpha val="0"/>
+                </a:srgbClr>
+              </a:gs>
+              <a:gs pos="99000">
+                <a:schemeClr val="accent1">
+                  <a:lumMod val="60000"/>
+                  <a:lumOff val="40000"/>
+                  <a:alpha val="11000"/>
+                </a:schemeClr>
+              </a:gs>
+            </a:gsLst>
+            <a:lin ang="7200000" scaled="0"/>
+          </a:gradFill>
+          <a:ln>
+            <a:noFill/>
+          </a:ln>
+        </p:spPr>
+        <p:style>
+          <a:lnRef idx="2">
+            <a:schemeClr val="accent1">
+              <a:shade val="50000"/>
+            </a:schemeClr>
+          </a:lnRef>
+          <a:fillRef idx="1">
+            <a:schemeClr val="accent1"/>
+          </a:fillRef>
+          <a:effectRef idx="0">
+            <a:schemeClr val="accent1"/>
+          </a:effectRef>
+          <a:fontRef idx="minor">
+            <a:schemeClr val="lt1"/>
+          </a:fontRef>
+        </p:style>
+        <p:txBody>
+          <a:bodyPr rtlCol="0" anchor="ctr"/>
+          <a:lstStyle/>
+          <a:p>
+            <a:pPr algn="ctr"/>
+            <a:endParaRPr lang="en-US"/>
+          </a:p>
+        </p:txBody>
+      </p:sp>
+      <p:sp>
+        <p:nvSpPr>
+          <p:cNvPr id="2" name="Title 1">
+            <a:extLst>
+              <a:ext uri="{FF2B5EF4-FFF2-40B4-BE49-F238E27FC236}">
+                <a16:creationId xmlns:a16="http://schemas.microsoft.com/office/drawing/2014/main" id="{B9A96219-0B50-DC43-9836-FD021AF451C7}"/>
+              </a:ext>
+            </a:extLst>
+          </p:cNvPr>
+          <p:cNvSpPr>
+            <a:spLocks noGrp="1"/>
+          </p:cNvSpPr>
+          <p:nvPr>
+            <p:ph type="title"/>
+          </p:nvPr>
+        </p:nvSpPr>
+        <p:spPr>
+          <a:xfrm>
+            <a:off x="466722" y="586855"/>
+            <a:ext cx="3201366" cy="3387497"/>
+          </a:xfrm>
+        </p:spPr>
+        <p:txBody>
+          <a:bodyPr anchor="b">
+            <a:normAutofit/>
+          </a:bodyPr>
+          <a:lstStyle/>
+          <a:p>
+            <a:pPr algn="r"/>
+            <a:r>
+              <a:rPr lang="en-US" sz="4000" dirty="0">
+                <a:solidFill>
+                  <a:srgbClr val="FFFFFF"/>
+                </a:solidFill>
+              </a:rPr>
+              <a:t>Results</a:t>
+            </a:r>
+          </a:p>
+        </p:txBody>
+      </p:sp>
+      <p:sp>
+        <p:nvSpPr>
+          <p:cNvPr id="3" name="Content Placeholder 2">
+            <a:extLst>
+              <a:ext uri="{FF2B5EF4-FFF2-40B4-BE49-F238E27FC236}">
+                <a16:creationId xmlns:a16="http://schemas.microsoft.com/office/drawing/2014/main" id="{8D24899F-AC40-5747-B683-C297EF6FF0A5}"/>
+              </a:ext>
+            </a:extLst>
+          </p:cNvPr>
+          <p:cNvSpPr>
+            <a:spLocks noGrp="1"/>
+          </p:cNvSpPr>
+          <p:nvPr>
+            <p:ph idx="1"/>
+          </p:nvPr>
+        </p:nvSpPr>
+        <p:spPr>
+          <a:xfrm>
+            <a:off x="4696658" y="1064150"/>
+            <a:ext cx="6915019" cy="4542856"/>
+          </a:xfrm>
+        </p:spPr>
+        <p:txBody>
+          <a:bodyPr anchor="ctr">
+            <a:normAutofit fontScale="92500" lnSpcReduction="10000"/>
+          </a:bodyPr>
+          <a:lstStyle/>
+          <a:p>
+            <a:pPr marL="0" indent="0">
+              <a:buNone/>
+            </a:pPr>
+            <a:endParaRPr lang="en-US" sz="3200" dirty="0"/>
+          </a:p>
+          <a:p>
+            <a:pPr marL="0" indent="0">
+              <a:buNone/>
+            </a:pPr>
+            <a:r>
+              <a:rPr lang="en-US" sz="3200" dirty="0"/>
+              <a:t>Lowest score model was 0.70</a:t>
+            </a:r>
+          </a:p>
+          <a:p>
+            <a:pPr marL="0" indent="0">
+              <a:buNone/>
+            </a:pPr>
+            <a:endParaRPr lang="en-US" sz="3200" dirty="0"/>
+          </a:p>
+          <a:p>
+            <a:pPr marL="0" indent="0">
+              <a:buNone/>
+            </a:pPr>
+            <a:r>
+              <a:rPr lang="en-US" sz="3200" dirty="0"/>
+              <a:t>All other models had accuracy score of 0.87</a:t>
+            </a:r>
+          </a:p>
+          <a:p>
+            <a:pPr marL="0" indent="0">
+              <a:buNone/>
+            </a:pPr>
+            <a:endParaRPr lang="en-US" sz="3200" dirty="0"/>
+          </a:p>
+          <a:p>
+            <a:pPr marL="0" indent="0">
+              <a:buNone/>
+            </a:pPr>
+            <a:r>
+              <a:rPr lang="en-US" sz="3200" dirty="0"/>
+              <a:t>Alternative deciding factor, f1 score</a:t>
+            </a:r>
+          </a:p>
+          <a:p>
+            <a:pPr marL="0" indent="0">
+              <a:buNone/>
+            </a:pPr>
+            <a:endParaRPr lang="en-US" sz="3200" dirty="0"/>
+          </a:p>
+          <a:p>
+            <a:pPr marL="0" indent="0">
+              <a:buNone/>
+            </a:pPr>
+            <a:r>
+              <a:rPr lang="en-US" sz="3200" dirty="0"/>
+              <a:t>Best scoring model had f1 score of 0.55 (Random Forests)</a:t>
+            </a:r>
+            <a:br>
+              <a:rPr lang="en-US" sz="3200" dirty="0"/>
+            </a:br>
+            <a:endParaRPr lang="en-US" sz="2000" dirty="0"/>
+          </a:p>
+          <a:p>
+            <a:pPr marL="0" indent="0">
+              <a:buNone/>
+            </a:pPr>
+            <a:endParaRPr lang="en-US" sz="2000" dirty="0"/>
+          </a:p>
+        </p:txBody>
+      </p:sp>
     </p:spTree>
     <p:extLst>
       <p:ext uri="{BB962C8B-B14F-4D97-AF65-F5344CB8AC3E}">
-        <p14:creationId xmlns:p14="http://schemas.microsoft.com/office/powerpoint/2010/main" val="589532315"/>
+        <p14:creationId xmlns:p14="http://schemas.microsoft.com/office/powerpoint/2010/main" val="1556871693"/>
       </p:ext>
     </p:extLst>
   </p:cSld>
